--- a/JavaScript/JavaScript.pptx
+++ b/JavaScript/JavaScript.pptx
@@ -5,33 +5,35 @@
     <p:sldMasterId id="2147483648" r:id="rId1"/>
   </p:sldMasterIdLst>
   <p:notesMasterIdLst>
-    <p:notesMasterId r:id="rId23"/>
+    <p:notesMasterId r:id="rId25"/>
   </p:notesMasterIdLst>
   <p:handoutMasterIdLst>
-    <p:handoutMasterId r:id="rId24"/>
+    <p:handoutMasterId r:id="rId26"/>
   </p:handoutMasterIdLst>
   <p:sldIdLst>
     <p:sldId id="256" r:id="rId2"/>
     <p:sldId id="294" r:id="rId3"/>
     <p:sldId id="316" r:id="rId4"/>
-    <p:sldId id="299" r:id="rId5"/>
-    <p:sldId id="312" r:id="rId6"/>
-    <p:sldId id="313" r:id="rId7"/>
-    <p:sldId id="314" r:id="rId8"/>
-    <p:sldId id="315" r:id="rId9"/>
-    <p:sldId id="311" r:id="rId10"/>
-    <p:sldId id="258" r:id="rId11"/>
-    <p:sldId id="301" r:id="rId12"/>
-    <p:sldId id="300" r:id="rId13"/>
-    <p:sldId id="304" r:id="rId14"/>
-    <p:sldId id="305" r:id="rId15"/>
-    <p:sldId id="306" r:id="rId16"/>
-    <p:sldId id="307" r:id="rId17"/>
-    <p:sldId id="317" r:id="rId18"/>
-    <p:sldId id="308" r:id="rId19"/>
-    <p:sldId id="309" r:id="rId20"/>
-    <p:sldId id="318" r:id="rId21"/>
-    <p:sldId id="319" r:id="rId22"/>
+    <p:sldId id="320" r:id="rId5"/>
+    <p:sldId id="299" r:id="rId6"/>
+    <p:sldId id="312" r:id="rId7"/>
+    <p:sldId id="313" r:id="rId8"/>
+    <p:sldId id="314" r:id="rId9"/>
+    <p:sldId id="315" r:id="rId10"/>
+    <p:sldId id="311" r:id="rId11"/>
+    <p:sldId id="258" r:id="rId12"/>
+    <p:sldId id="301" r:id="rId13"/>
+    <p:sldId id="300" r:id="rId14"/>
+    <p:sldId id="304" r:id="rId15"/>
+    <p:sldId id="305" r:id="rId16"/>
+    <p:sldId id="306" r:id="rId17"/>
+    <p:sldId id="307" r:id="rId18"/>
+    <p:sldId id="317" r:id="rId19"/>
+    <p:sldId id="308" r:id="rId20"/>
+    <p:sldId id="309" r:id="rId21"/>
+    <p:sldId id="318" r:id="rId22"/>
+    <p:sldId id="321" r:id="rId23"/>
+    <p:sldId id="319" r:id="rId24"/>
   </p:sldIdLst>
   <p:sldSz cx="12192000" cy="6858000"/>
   <p:notesSz cx="6858000" cy="9144000"/>
@@ -223,7 +225,7 @@
           <a:p>
             <a:fld id="{C855B285-FBA9-4BD3-9251-73E95C4EBD47}" type="datetimeFigureOut">
               <a:rPr lang="en-US" smtClean="0"/>
-              <a:t>7/12/2016</a:t>
+              <a:t>7/15/2016</a:t>
             </a:fld>
             <a:endParaRPr lang="en-US"/>
           </a:p>
@@ -388,7 +390,7 @@
           <a:p>
             <a:fld id="{1B54A547-059C-4995-8195-8BC798133443}" type="datetimeFigureOut">
               <a:rPr lang="en-US" smtClean="0"/>
-              <a:t>7/12/2016</a:t>
+              <a:t>7/15/2016</a:t>
             </a:fld>
             <a:endParaRPr lang="en-US" dirty="0"/>
           </a:p>
@@ -699,7 +701,46 @@
           <a:bodyPr/>
           <a:lstStyle/>
           <a:p>
+            <a:r>
+              <a:rPr lang="en-US" baseline="0" dirty="0"/>
+              <a:t>Quick walkthrough of the big picture of application development and how everything fits together</a:t>
+            </a:r>
+          </a:p>
+          <a:p>
             <a:endParaRPr lang="en-US" baseline="0" dirty="0"/>
+          </a:p>
+          <a:p>
+            <a:r>
+              <a:rPr lang="en-US" baseline="0" dirty="0"/>
+              <a:t>Cover JavaScript’s history and fundamentals</a:t>
+            </a:r>
+          </a:p>
+          <a:p>
+            <a:endParaRPr lang="en-US" baseline="0" dirty="0"/>
+          </a:p>
+          <a:p>
+            <a:r>
+              <a:rPr lang="en-US" baseline="0" dirty="0"/>
+              <a:t>Walk through some examples to give you an idea of what JS looks and feels like</a:t>
+            </a:r>
+          </a:p>
+          <a:p>
+            <a:endParaRPr lang="en-US" baseline="0" dirty="0"/>
+          </a:p>
+          <a:p>
+            <a:r>
+              <a:rPr lang="en-US" baseline="0" dirty="0"/>
+              <a:t>Showcase some libraries and frameworks</a:t>
+            </a:r>
+          </a:p>
+          <a:p>
+            <a:endParaRPr lang="en-US" baseline="0" dirty="0"/>
+          </a:p>
+          <a:p>
+            <a:r>
+              <a:rPr lang="en-US" baseline="0" dirty="0"/>
+              <a:t>Homework</a:t>
+            </a:r>
           </a:p>
         </p:txBody>
       </p:sp>
@@ -783,24 +824,7 @@
           <a:bodyPr/>
           <a:lstStyle/>
           <a:p>
-            <a:r>
-              <a:rPr lang="en-US" dirty="0"/>
-              <a:t>I</a:t>
-            </a:r>
-            <a:r>
-              <a:rPr lang="en-US" baseline="0" dirty="0"/>
-              <a:t> can give you three really good reasons</a:t>
-            </a:r>
-          </a:p>
-          <a:p>
             <a:endParaRPr lang="en-US" baseline="0" dirty="0"/>
-          </a:p>
-          <a:p>
-            <a:r>
-              <a:rPr lang="en-US" baseline="0" dirty="0"/>
-              <a:t>Seriously though, because of its ubiquity we have inevitability (SQL, Security, it’s everywhere) because of our own stupidity. Just learn it.</a:t>
-            </a:r>
-            <a:endParaRPr lang="en-US" dirty="0"/>
           </a:p>
         </p:txBody>
       </p:sp>
@@ -830,7 +854,7 @@
     </p:spTree>
     <p:extLst>
       <p:ext uri="{BB962C8B-B14F-4D97-AF65-F5344CB8AC3E}">
-        <p14:creationId xmlns:p14="http://schemas.microsoft.com/office/powerpoint/2010/main" val="2850240434"/>
+        <p14:creationId xmlns:p14="http://schemas.microsoft.com/office/powerpoint/2010/main" val="3705325967"/>
       </p:ext>
     </p:extLst>
   </p:cSld>
@@ -885,8 +909,12 @@
           <a:lstStyle/>
           <a:p>
             <a:r>
+              <a:rPr lang="en-US" dirty="0"/>
+              <a:t>I</a:t>
+            </a:r>
+            <a:r>
               <a:rPr lang="en-US" baseline="0" dirty="0"/>
-              <a:t>Demo</a:t>
+              <a:t> can give you three really good reasons</a:t>
             </a:r>
           </a:p>
           <a:p>
@@ -895,23 +923,9 @@
           <a:p>
             <a:r>
               <a:rPr lang="en-US" baseline="0" dirty="0"/>
-              <a:t>Language Fundamentals</a:t>
-            </a:r>
-          </a:p>
-          <a:p>
-            <a:endParaRPr lang="en-US" baseline="0" dirty="0"/>
-          </a:p>
-          <a:p>
-            <a:endParaRPr lang="en-US" baseline="0" dirty="0"/>
-          </a:p>
-          <a:p>
-            <a:r>
-              <a:rPr lang="en-US" baseline="0" dirty="0"/>
-              <a:t>So, why frameworks? Because JavaScript</a:t>
-            </a:r>
-          </a:p>
-          <a:p>
-            <a:endParaRPr lang="en-US" baseline="0" dirty="0"/>
+              <a:t>Seriously though, because of its ubiquity we have inevitability (SQL, Security, it’s everywhere) because of our own stupidity. Just learn it.</a:t>
+            </a:r>
+            <a:endParaRPr lang="en-US" dirty="0"/>
           </a:p>
         </p:txBody>
       </p:sp>
@@ -941,7 +955,7 @@
     </p:spTree>
     <p:extLst>
       <p:ext uri="{BB962C8B-B14F-4D97-AF65-F5344CB8AC3E}">
-        <p14:creationId xmlns:p14="http://schemas.microsoft.com/office/powerpoint/2010/main" val="3220617415"/>
+        <p14:creationId xmlns:p14="http://schemas.microsoft.com/office/powerpoint/2010/main" val="2850240434"/>
       </p:ext>
     </p:extLst>
   </p:cSld>
@@ -995,6 +1009,33 @@
           <a:bodyPr/>
           <a:lstStyle/>
           <a:p>
+            <a:r>
+              <a:rPr lang="en-US" baseline="0" dirty="0"/>
+              <a:t>Demo</a:t>
+            </a:r>
+          </a:p>
+          <a:p>
+            <a:endParaRPr lang="en-US" baseline="0" dirty="0"/>
+          </a:p>
+          <a:p>
+            <a:r>
+              <a:rPr lang="en-US" baseline="0" dirty="0"/>
+              <a:t>Language Fundamentals</a:t>
+            </a:r>
+          </a:p>
+          <a:p>
+            <a:endParaRPr lang="en-US" baseline="0" dirty="0"/>
+          </a:p>
+          <a:p>
+            <a:endParaRPr lang="en-US" baseline="0" dirty="0"/>
+          </a:p>
+          <a:p>
+            <a:r>
+              <a:rPr lang="en-US" baseline="0" dirty="0"/>
+              <a:t>So, why frameworks? Because JavaScript</a:t>
+            </a:r>
+          </a:p>
+          <a:p>
             <a:endParaRPr lang="en-US" baseline="0" dirty="0"/>
           </a:p>
         </p:txBody>
@@ -1025,7 +1066,7 @@
     </p:spTree>
     <p:extLst>
       <p:ext uri="{BB962C8B-B14F-4D97-AF65-F5344CB8AC3E}">
-        <p14:creationId xmlns:p14="http://schemas.microsoft.com/office/powerpoint/2010/main" val="3873453863"/>
+        <p14:creationId xmlns:p14="http://schemas.microsoft.com/office/powerpoint/2010/main" val="3220617415"/>
       </p:ext>
     </p:extLst>
   </p:cSld>
@@ -1079,19 +1120,7 @@
           <a:bodyPr/>
           <a:lstStyle/>
           <a:p>
-            <a:r>
-              <a:rPr lang="en-US" baseline="0" dirty="0"/>
-              <a:t>First, there was jQuery.</a:t>
-            </a:r>
-          </a:p>
-          <a:p>
             <a:endParaRPr lang="en-US" baseline="0" dirty="0"/>
-          </a:p>
-          <a:p>
-            <a:r>
-              <a:rPr lang="en-US" baseline="0" dirty="0"/>
-              <a:t>It solved a ton of problems for Web Developers, but most importantly it provided a higher level abstraction over JavaScript that hid a lot of the underlying bugs and handled cross browser issues.</a:t>
-            </a:r>
           </a:p>
         </p:txBody>
       </p:sp>
@@ -1121,7 +1150,7 @@
     </p:spTree>
     <p:extLst>
       <p:ext uri="{BB962C8B-B14F-4D97-AF65-F5344CB8AC3E}">
-        <p14:creationId xmlns:p14="http://schemas.microsoft.com/office/powerpoint/2010/main" val="1460484954"/>
+        <p14:creationId xmlns:p14="http://schemas.microsoft.com/office/powerpoint/2010/main" val="3873453863"/>
       </p:ext>
     </p:extLst>
   </p:cSld>
@@ -1177,7 +1206,7 @@
           <a:p>
             <a:r>
               <a:rPr lang="en-US" baseline="0" dirty="0"/>
-              <a:t>Then all this shit just happened.</a:t>
+              <a:t>First, there was jQuery.</a:t>
             </a:r>
           </a:p>
           <a:p>
@@ -1186,25 +1215,7 @@
           <a:p>
             <a:r>
               <a:rPr lang="en-US" baseline="0" dirty="0"/>
-              <a:t>It’s like Ford versus Chevy on steroids.</a:t>
-            </a:r>
-          </a:p>
-          <a:p>
-            <a:endParaRPr lang="en-US" baseline="0" dirty="0"/>
-          </a:p>
-          <a:p>
-            <a:r>
-              <a:rPr lang="en-US" baseline="0" dirty="0"/>
-              <a:t>Everyone is right, everyone is wrong.</a:t>
-            </a:r>
-          </a:p>
-          <a:p>
-            <a:endParaRPr lang="en-US" baseline="0" dirty="0"/>
-          </a:p>
-          <a:p>
-            <a:r>
-              <a:rPr lang="en-US" baseline="0" dirty="0"/>
-              <a:t>Whatever you choose should be based on the constraints you’re given and the context within which you’re operating. If you choose Framework A or Library X because “it’s what you know” or because “it’s easy” then you’re acting unethically. </a:t>
+              <a:t>It solved a ton of problems for Web Developers, but most importantly it provided a higher level abstraction over JavaScript that hid a lot of the underlying bugs and handled cross browser issues.</a:t>
             </a:r>
           </a:p>
         </p:txBody>
@@ -1235,7 +1246,7 @@
     </p:spTree>
     <p:extLst>
       <p:ext uri="{BB962C8B-B14F-4D97-AF65-F5344CB8AC3E}">
-        <p14:creationId xmlns:p14="http://schemas.microsoft.com/office/powerpoint/2010/main" val="3125294776"/>
+        <p14:creationId xmlns:p14="http://schemas.microsoft.com/office/powerpoint/2010/main" val="1460484954"/>
       </p:ext>
     </p:extLst>
   </p:cSld>
@@ -1291,14 +1302,35 @@
           <a:p>
             <a:r>
               <a:rPr lang="en-US" baseline="0" dirty="0"/>
-              <a:t>There are no Silver Bullets in software, just the SOTA.</a:t>
+              <a:t>Then all this shit just happened.</a:t>
             </a:r>
           </a:p>
           <a:p>
             <a:endParaRPr lang="en-US" baseline="0" dirty="0"/>
           </a:p>
           <a:p>
+            <a:r>
+              <a:rPr lang="en-US" baseline="0" dirty="0"/>
+              <a:t>It’s like Ford versus Chevy on steroids.</a:t>
+            </a:r>
+          </a:p>
+          <a:p>
             <a:endParaRPr lang="en-US" baseline="0" dirty="0"/>
+          </a:p>
+          <a:p>
+            <a:r>
+              <a:rPr lang="en-US" baseline="0" dirty="0"/>
+              <a:t>Everyone is right, everyone is wrong.</a:t>
+            </a:r>
+          </a:p>
+          <a:p>
+            <a:endParaRPr lang="en-US" baseline="0" dirty="0"/>
+          </a:p>
+          <a:p>
+            <a:r>
+              <a:rPr lang="en-US" baseline="0" dirty="0"/>
+              <a:t>Whatever you choose should be based on the constraints you’re given and the context within which you’re operating. If you choose Framework A or Library X because “it’s what you know” or because “it’s easy” then you’re acting unethically. </a:t>
+            </a:r>
           </a:p>
         </p:txBody>
       </p:sp>
@@ -1328,7 +1360,7 @@
     </p:spTree>
     <p:extLst>
       <p:ext uri="{BB962C8B-B14F-4D97-AF65-F5344CB8AC3E}">
-        <p14:creationId xmlns:p14="http://schemas.microsoft.com/office/powerpoint/2010/main" val="3404820126"/>
+        <p14:creationId xmlns:p14="http://schemas.microsoft.com/office/powerpoint/2010/main" val="3125294776"/>
       </p:ext>
     </p:extLst>
   </p:cSld>
@@ -1384,26 +1416,14 @@
           <a:p>
             <a:r>
               <a:rPr lang="en-US" baseline="0" dirty="0"/>
-              <a:t>Single Page Applications are currently quite popular.</a:t>
+              <a:t>There are no Silver Bullets in software, just the SOTA.</a:t>
             </a:r>
           </a:p>
           <a:p>
             <a:endParaRPr lang="en-US" baseline="0" dirty="0"/>
           </a:p>
           <a:p>
-            <a:r>
-              <a:rPr lang="en-US" baseline="0" dirty="0"/>
-              <a:t>But I would argue for mobile or native development of SPAs. Again, this depends on your client’s needs. </a:t>
-            </a:r>
-          </a:p>
-          <a:p>
             <a:endParaRPr lang="en-US" baseline="0" dirty="0"/>
-          </a:p>
-          <a:p>
-            <a:r>
-              <a:rPr lang="en-US" baseline="0" dirty="0"/>
-              <a:t>They require experience, and I wouldn’t recommend them for student projects.</a:t>
-            </a:r>
           </a:p>
         </p:txBody>
       </p:sp>
@@ -1433,7 +1453,7 @@
     </p:spTree>
     <p:extLst>
       <p:ext uri="{BB962C8B-B14F-4D97-AF65-F5344CB8AC3E}">
-        <p14:creationId xmlns:p14="http://schemas.microsoft.com/office/powerpoint/2010/main" val="3228493661"/>
+        <p14:creationId xmlns:p14="http://schemas.microsoft.com/office/powerpoint/2010/main" val="3404820126"/>
       </p:ext>
     </p:extLst>
   </p:cSld>
@@ -1487,7 +1507,28 @@
           <a:bodyPr/>
           <a:lstStyle/>
           <a:p>
+            <a:r>
+              <a:rPr lang="en-US" baseline="0" dirty="0"/>
+              <a:t>Single Page Applications are currently quite popular.</a:t>
+            </a:r>
+          </a:p>
+          <a:p>
             <a:endParaRPr lang="en-US" baseline="0" dirty="0"/>
+          </a:p>
+          <a:p>
+            <a:r>
+              <a:rPr lang="en-US" baseline="0" dirty="0"/>
+              <a:t>But I would argue for mobile or native development of SPAs. Again, this depends on your client’s needs. </a:t>
+            </a:r>
+          </a:p>
+          <a:p>
+            <a:endParaRPr lang="en-US" baseline="0" dirty="0"/>
+          </a:p>
+          <a:p>
+            <a:r>
+              <a:rPr lang="en-US" baseline="0" dirty="0"/>
+              <a:t>They require experience, and I wouldn’t recommend them for student projects.</a:t>
+            </a:r>
           </a:p>
         </p:txBody>
       </p:sp>
@@ -1517,7 +1558,7 @@
     </p:spTree>
     <p:extLst>
       <p:ext uri="{BB962C8B-B14F-4D97-AF65-F5344CB8AC3E}">
-        <p14:creationId xmlns:p14="http://schemas.microsoft.com/office/powerpoint/2010/main" val="3837490155"/>
+        <p14:creationId xmlns:p14="http://schemas.microsoft.com/office/powerpoint/2010/main" val="3228493661"/>
       </p:ext>
     </p:extLst>
   </p:cSld>
@@ -1601,7 +1642,7 @@
     </p:spTree>
     <p:extLst>
       <p:ext uri="{BB962C8B-B14F-4D97-AF65-F5344CB8AC3E}">
-        <p14:creationId xmlns:p14="http://schemas.microsoft.com/office/powerpoint/2010/main" val="1900410140"/>
+        <p14:creationId xmlns:p14="http://schemas.microsoft.com/office/powerpoint/2010/main" val="3837490155"/>
       </p:ext>
     </p:extLst>
   </p:cSld>
@@ -1685,7 +1726,7 @@
     </p:spTree>
     <p:extLst>
       <p:ext uri="{BB962C8B-B14F-4D97-AF65-F5344CB8AC3E}">
-        <p14:creationId xmlns:p14="http://schemas.microsoft.com/office/powerpoint/2010/main" val="289880887"/>
+        <p14:creationId xmlns:p14="http://schemas.microsoft.com/office/powerpoint/2010/main" val="1900410140"/>
       </p:ext>
     </p:extLst>
   </p:cSld>
@@ -1739,41 +1780,7 @@
           <a:bodyPr/>
           <a:lstStyle/>
           <a:p>
-            <a:r>
-              <a:rPr lang="en-US" dirty="0"/>
-              <a:t>Client: Laptop, Desktop,</a:t>
-            </a:r>
-            <a:r>
-              <a:rPr lang="en-US" baseline="0" dirty="0"/>
-              <a:t> </a:t>
-            </a:r>
-            <a:r>
-              <a:rPr lang="en-US" dirty="0"/>
-              <a:t>Phone, Tablet, Watch, other Servers</a:t>
-            </a:r>
-          </a:p>
-          <a:p>
-            <a:endParaRPr lang="en-US" dirty="0"/>
-          </a:p>
-          <a:p>
-            <a:r>
-              <a:rPr lang="en-US" dirty="0"/>
-              <a:t>Client requests a resource</a:t>
-            </a:r>
-          </a:p>
-          <a:p>
-            <a:endParaRPr lang="en-US" dirty="0"/>
-          </a:p>
-          <a:p>
-            <a:r>
-              <a:rPr lang="en-US" dirty="0"/>
-              <a:t>Server might authenticate/authorize,</a:t>
-            </a:r>
-            <a:r>
-              <a:rPr lang="en-US" baseline="0" dirty="0"/>
-              <a:t> retrieve some data, and send a response in some format (HTML, JSON, XML, et al)</a:t>
-            </a:r>
-            <a:endParaRPr lang="en-US" dirty="0"/>
+            <a:endParaRPr lang="en-US" baseline="0" dirty="0"/>
           </a:p>
         </p:txBody>
       </p:sp>
@@ -1803,7 +1810,175 @@
     </p:spTree>
     <p:extLst>
       <p:ext uri="{BB962C8B-B14F-4D97-AF65-F5344CB8AC3E}">
-        <p14:creationId xmlns:p14="http://schemas.microsoft.com/office/powerpoint/2010/main" val="341164328"/>
+        <p14:creationId xmlns:p14="http://schemas.microsoft.com/office/powerpoint/2010/main" val="3931909088"/>
+      </p:ext>
+    </p:extLst>
+  </p:cSld>
+  <p:clrMapOvr>
+    <a:masterClrMapping/>
+  </p:clrMapOvr>
+</p:notes>
+</file>
+
+<file path=ppt/notesSlides/notesSlide20.xml><?xml version="1.0" encoding="utf-8"?>
+<p:notes xmlns:a="http://schemas.openxmlformats.org/drawingml/2006/main" xmlns:r="http://schemas.openxmlformats.org/officeDocument/2006/relationships" xmlns:p="http://schemas.openxmlformats.org/presentationml/2006/main">
+  <p:cSld>
+    <p:spTree>
+      <p:nvGrpSpPr>
+        <p:cNvPr id="1" name=""/>
+        <p:cNvGrpSpPr/>
+        <p:nvPr/>
+      </p:nvGrpSpPr>
+      <p:grpSpPr>
+        <a:xfrm>
+          <a:off x="0" y="0"/>
+          <a:ext cx="0" cy="0"/>
+          <a:chOff x="0" y="0"/>
+          <a:chExt cx="0" cy="0"/>
+        </a:xfrm>
+      </p:grpSpPr>
+      <p:sp>
+        <p:nvSpPr>
+          <p:cNvPr id="2" name="Slide Image Placeholder 1"/>
+          <p:cNvSpPr>
+            <a:spLocks noGrp="1" noRot="1" noChangeAspect="1"/>
+          </p:cNvSpPr>
+          <p:nvPr>
+            <p:ph type="sldImg"/>
+          </p:nvPr>
+        </p:nvSpPr>
+        <p:spPr/>
+      </p:sp>
+      <p:sp>
+        <p:nvSpPr>
+          <p:cNvPr id="3" name="Notes Placeholder 2"/>
+          <p:cNvSpPr>
+            <a:spLocks noGrp="1"/>
+          </p:cNvSpPr>
+          <p:nvPr>
+            <p:ph type="body" idx="1"/>
+          </p:nvPr>
+        </p:nvSpPr>
+        <p:spPr/>
+        <p:txBody>
+          <a:bodyPr/>
+          <a:lstStyle/>
+          <a:p>
+            <a:endParaRPr lang="en-US" baseline="0" dirty="0"/>
+          </a:p>
+        </p:txBody>
+      </p:sp>
+      <p:sp>
+        <p:nvSpPr>
+          <p:cNvPr id="4" name="Slide Number Placeholder 3"/>
+          <p:cNvSpPr>
+            <a:spLocks noGrp="1"/>
+          </p:cNvSpPr>
+          <p:nvPr>
+            <p:ph type="sldNum" sz="quarter" idx="10"/>
+          </p:nvPr>
+        </p:nvSpPr>
+        <p:spPr/>
+        <p:txBody>
+          <a:bodyPr/>
+          <a:lstStyle/>
+          <a:p>
+            <a:fld id="{FE8FA3EA-27D7-4BD7-81C0-296FB59BCD5B}" type="slidenum">
+              <a:rPr lang="en-US" smtClean="0"/>
+              <a:t>22</a:t>
+            </a:fld>
+            <a:endParaRPr lang="en-US" dirty="0"/>
+          </a:p>
+        </p:txBody>
+      </p:sp>
+    </p:spTree>
+    <p:extLst>
+      <p:ext uri="{BB962C8B-B14F-4D97-AF65-F5344CB8AC3E}">
+        <p14:creationId xmlns:p14="http://schemas.microsoft.com/office/powerpoint/2010/main" val="3270343170"/>
+      </p:ext>
+    </p:extLst>
+  </p:cSld>
+  <p:clrMapOvr>
+    <a:masterClrMapping/>
+  </p:clrMapOvr>
+</p:notes>
+</file>
+
+<file path=ppt/notesSlides/notesSlide21.xml><?xml version="1.0" encoding="utf-8"?>
+<p:notes xmlns:a="http://schemas.openxmlformats.org/drawingml/2006/main" xmlns:r="http://schemas.openxmlformats.org/officeDocument/2006/relationships" xmlns:p="http://schemas.openxmlformats.org/presentationml/2006/main">
+  <p:cSld>
+    <p:spTree>
+      <p:nvGrpSpPr>
+        <p:cNvPr id="1" name=""/>
+        <p:cNvGrpSpPr/>
+        <p:nvPr/>
+      </p:nvGrpSpPr>
+      <p:grpSpPr>
+        <a:xfrm>
+          <a:off x="0" y="0"/>
+          <a:ext cx="0" cy="0"/>
+          <a:chOff x="0" y="0"/>
+          <a:chExt cx="0" cy="0"/>
+        </a:xfrm>
+      </p:grpSpPr>
+      <p:sp>
+        <p:nvSpPr>
+          <p:cNvPr id="2" name="Slide Image Placeholder 1"/>
+          <p:cNvSpPr>
+            <a:spLocks noGrp="1" noRot="1" noChangeAspect="1"/>
+          </p:cNvSpPr>
+          <p:nvPr>
+            <p:ph type="sldImg"/>
+          </p:nvPr>
+        </p:nvSpPr>
+        <p:spPr/>
+      </p:sp>
+      <p:sp>
+        <p:nvSpPr>
+          <p:cNvPr id="3" name="Notes Placeholder 2"/>
+          <p:cNvSpPr>
+            <a:spLocks noGrp="1"/>
+          </p:cNvSpPr>
+          <p:nvPr>
+            <p:ph type="body" idx="1"/>
+          </p:nvPr>
+        </p:nvSpPr>
+        <p:spPr/>
+        <p:txBody>
+          <a:bodyPr/>
+          <a:lstStyle/>
+          <a:p>
+            <a:endParaRPr lang="en-US" baseline="0" dirty="0"/>
+          </a:p>
+        </p:txBody>
+      </p:sp>
+      <p:sp>
+        <p:nvSpPr>
+          <p:cNvPr id="4" name="Slide Number Placeholder 3"/>
+          <p:cNvSpPr>
+            <a:spLocks noGrp="1"/>
+          </p:cNvSpPr>
+          <p:nvPr>
+            <p:ph type="sldNum" sz="quarter" idx="10"/>
+          </p:nvPr>
+        </p:nvSpPr>
+        <p:spPr/>
+        <p:txBody>
+          <a:bodyPr/>
+          <a:lstStyle/>
+          <a:p>
+            <a:fld id="{FE8FA3EA-27D7-4BD7-81C0-296FB59BCD5B}" type="slidenum">
+              <a:rPr lang="en-US" smtClean="0"/>
+              <a:t>23</a:t>
+            </a:fld>
+            <a:endParaRPr lang="en-US" dirty="0"/>
+          </a:p>
+        </p:txBody>
+      </p:sp>
+    </p:spTree>
+    <p:extLst>
+      <p:ext uri="{BB962C8B-B14F-4D97-AF65-F5344CB8AC3E}">
+        <p14:creationId xmlns:p14="http://schemas.microsoft.com/office/powerpoint/2010/main" val="289880887"/>
       </p:ext>
     </p:extLst>
   </p:cSld>
@@ -1859,8 +2034,39 @@
           <a:p>
             <a:r>
               <a:rPr lang="en-US" dirty="0"/>
-              <a:t>Traditional Boundaries</a:t>
-            </a:r>
+              <a:t>Client: Laptop, Desktop,</a:t>
+            </a:r>
+            <a:r>
+              <a:rPr lang="en-US" baseline="0" dirty="0"/>
+              <a:t> </a:t>
+            </a:r>
+            <a:r>
+              <a:rPr lang="en-US" dirty="0"/>
+              <a:t>Phone, Tablet, Watch, other Servers</a:t>
+            </a:r>
+          </a:p>
+          <a:p>
+            <a:endParaRPr lang="en-US" dirty="0"/>
+          </a:p>
+          <a:p>
+            <a:r>
+              <a:rPr lang="en-US" dirty="0"/>
+              <a:t>Client requests a resource</a:t>
+            </a:r>
+          </a:p>
+          <a:p>
+            <a:endParaRPr lang="en-US" dirty="0"/>
+          </a:p>
+          <a:p>
+            <a:r>
+              <a:rPr lang="en-US" dirty="0"/>
+              <a:t>Server might authenticate/authorize,</a:t>
+            </a:r>
+            <a:r>
+              <a:rPr lang="en-US" baseline="0" dirty="0"/>
+              <a:t> retrieve some data, and send a response in some format (HTML, JSON, XML, et al)</a:t>
+            </a:r>
+            <a:endParaRPr lang="en-US" dirty="0"/>
           </a:p>
         </p:txBody>
       </p:sp>
@@ -1890,7 +2096,7 @@
     </p:spTree>
     <p:extLst>
       <p:ext uri="{BB962C8B-B14F-4D97-AF65-F5344CB8AC3E}">
-        <p14:creationId xmlns:p14="http://schemas.microsoft.com/office/powerpoint/2010/main" val="2560805654"/>
+        <p14:creationId xmlns:p14="http://schemas.microsoft.com/office/powerpoint/2010/main" val="341164328"/>
       </p:ext>
     </p:extLst>
   </p:cSld>
@@ -1977,7 +2183,7 @@
     </p:spTree>
     <p:extLst>
       <p:ext uri="{BB962C8B-B14F-4D97-AF65-F5344CB8AC3E}">
-        <p14:creationId xmlns:p14="http://schemas.microsoft.com/office/powerpoint/2010/main" val="2681607388"/>
+        <p14:creationId xmlns:p14="http://schemas.microsoft.com/office/powerpoint/2010/main" val="2560805654"/>
       </p:ext>
     </p:extLst>
   </p:cSld>
@@ -2064,7 +2270,7 @@
     </p:spTree>
     <p:extLst>
       <p:ext uri="{BB962C8B-B14F-4D97-AF65-F5344CB8AC3E}">
-        <p14:creationId xmlns:p14="http://schemas.microsoft.com/office/powerpoint/2010/main" val="687923050"/>
+        <p14:creationId xmlns:p14="http://schemas.microsoft.com/office/powerpoint/2010/main" val="2681607388"/>
       </p:ext>
     </p:extLst>
   </p:cSld>
@@ -2118,7 +2324,10 @@
           <a:bodyPr/>
           <a:lstStyle/>
           <a:p>
-            <a:endParaRPr lang="en-US" baseline="0" dirty="0"/>
+            <a:r>
+              <a:rPr lang="en-US" dirty="0"/>
+              <a:t>Traditional Boundaries</a:t>
+            </a:r>
           </a:p>
         </p:txBody>
       </p:sp>
@@ -2148,7 +2357,7 @@
     </p:spTree>
     <p:extLst>
       <p:ext uri="{BB962C8B-B14F-4D97-AF65-F5344CB8AC3E}">
-        <p14:creationId xmlns:p14="http://schemas.microsoft.com/office/powerpoint/2010/main" val="744231514"/>
+        <p14:creationId xmlns:p14="http://schemas.microsoft.com/office/powerpoint/2010/main" val="687923050"/>
       </p:ext>
     </p:extLst>
   </p:cSld>
@@ -2202,15 +2411,7 @@
           <a:bodyPr/>
           <a:lstStyle/>
           <a:p>
-            <a:r>
-              <a:rPr lang="en-US" dirty="0"/>
-              <a:t>This Is</a:t>
-            </a:r>
-            <a:r>
-              <a:rPr lang="en-US" baseline="0" dirty="0"/>
-              <a:t> not a joke</a:t>
-            </a:r>
-            <a:endParaRPr lang="en-US" dirty="0"/>
+            <a:endParaRPr lang="en-US" baseline="0" dirty="0"/>
           </a:p>
         </p:txBody>
       </p:sp>
@@ -2240,7 +2441,7 @@
     </p:spTree>
     <p:extLst>
       <p:ext uri="{BB962C8B-B14F-4D97-AF65-F5344CB8AC3E}">
-        <p14:creationId xmlns:p14="http://schemas.microsoft.com/office/powerpoint/2010/main" val="938549015"/>
+        <p14:creationId xmlns:p14="http://schemas.microsoft.com/office/powerpoint/2010/main" val="744231514"/>
       </p:ext>
     </p:extLst>
   </p:cSld>
@@ -2296,80 +2497,13 @@
           <a:p>
             <a:r>
               <a:rPr lang="en-US" dirty="0"/>
-              <a:t>Written in 10 days by Brendan </a:t>
-            </a:r>
-            <a:r>
-              <a:rPr lang="en-US" dirty="0" err="1"/>
-              <a:t>Eich</a:t>
-            </a:r>
-            <a:r>
-              <a:rPr lang="en-US" dirty="0"/>
-              <a:t> in May 1995,</a:t>
+              <a:t>This Is</a:t>
             </a:r>
             <a:r>
               <a:rPr lang="en-US" baseline="0" dirty="0"/>
-              <a:t> </a:t>
-            </a:r>
-            <a:r>
-              <a:rPr lang="en-US" dirty="0"/>
-              <a:t>while working at Netscape, which eventually became Mozilla.</a:t>
-            </a:r>
-          </a:p>
-          <a:p>
+              <a:t> not a joke</a:t>
+            </a:r>
             <a:endParaRPr lang="en-US" dirty="0"/>
-          </a:p>
-          <a:p>
-            <a:r>
-              <a:rPr lang="en-US" dirty="0"/>
-              <a:t>Original</a:t>
-            </a:r>
-            <a:r>
-              <a:rPr lang="en-US" baseline="0" dirty="0"/>
-              <a:t> name was Mocha.  </a:t>
-            </a:r>
-          </a:p>
-          <a:p>
-            <a:endParaRPr lang="en-US" baseline="0" dirty="0"/>
-          </a:p>
-          <a:p>
-            <a:r>
-              <a:rPr lang="en-US" baseline="0" dirty="0"/>
-              <a:t>2005, AJAX was coined by Jesse James Garrett, fundamentally shifting the course of Web Development (dynamic apps)</a:t>
-            </a:r>
-          </a:p>
-          <a:p>
-            <a:endParaRPr lang="en-US" baseline="0" dirty="0"/>
-          </a:p>
-          <a:p>
-            <a:pPr marL="0" marR="0" lvl="0" indent="0" algn="l" defTabSz="914400" rtl="0" eaLnBrk="1" fontAlgn="auto" latinLnBrk="0" hangingPunct="1">
-              <a:lnSpc>
-                <a:spcPct val="100000"/>
-              </a:lnSpc>
-              <a:spcBef>
-                <a:spcPts val="0"/>
-              </a:spcBef>
-              <a:spcAft>
-                <a:spcPts val="0"/>
-              </a:spcAft>
-              <a:buClrTx/>
-              <a:buSzTx/>
-              <a:buFontTx/>
-              <a:buNone/>
-              <a:tabLst/>
-              <a:defRPr/>
-            </a:pPr>
-            <a:r>
-              <a:rPr lang="en-US" dirty="0"/>
-              <a:t>Mosaic Wars, Second</a:t>
-            </a:r>
-            <a:r>
-              <a:rPr lang="en-US" baseline="0" dirty="0"/>
-              <a:t> Browser Wars, Current Browser Wars</a:t>
-            </a:r>
-            <a:endParaRPr lang="en-US" dirty="0"/>
-          </a:p>
-          <a:p>
-            <a:endParaRPr lang="en-US" baseline="0" dirty="0"/>
           </a:p>
         </p:txBody>
       </p:sp>
@@ -2399,7 +2533,7 @@
     </p:spTree>
     <p:extLst>
       <p:ext uri="{BB962C8B-B14F-4D97-AF65-F5344CB8AC3E}">
-        <p14:creationId xmlns:p14="http://schemas.microsoft.com/office/powerpoint/2010/main" val="2553566254"/>
+        <p14:creationId xmlns:p14="http://schemas.microsoft.com/office/powerpoint/2010/main" val="938549015"/>
       </p:ext>
     </p:extLst>
   </p:cSld>
@@ -2453,6 +2587,81 @@
           <a:bodyPr/>
           <a:lstStyle/>
           <a:p>
+            <a:r>
+              <a:rPr lang="en-US" dirty="0"/>
+              <a:t>Written in 10 days by Brendan </a:t>
+            </a:r>
+            <a:r>
+              <a:rPr lang="en-US" dirty="0" err="1"/>
+              <a:t>Eich</a:t>
+            </a:r>
+            <a:r>
+              <a:rPr lang="en-US" dirty="0"/>
+              <a:t> in May 1995,</a:t>
+            </a:r>
+            <a:r>
+              <a:rPr lang="en-US" baseline="0" dirty="0"/>
+              <a:t> </a:t>
+            </a:r>
+            <a:r>
+              <a:rPr lang="en-US" dirty="0"/>
+              <a:t>while working at Netscape, which eventually became Mozilla.</a:t>
+            </a:r>
+          </a:p>
+          <a:p>
+            <a:endParaRPr lang="en-US" dirty="0"/>
+          </a:p>
+          <a:p>
+            <a:r>
+              <a:rPr lang="en-US" dirty="0"/>
+              <a:t>Original</a:t>
+            </a:r>
+            <a:r>
+              <a:rPr lang="en-US" baseline="0" dirty="0"/>
+              <a:t> name was Mocha.  </a:t>
+            </a:r>
+          </a:p>
+          <a:p>
+            <a:endParaRPr lang="en-US" baseline="0" dirty="0"/>
+          </a:p>
+          <a:p>
+            <a:r>
+              <a:rPr lang="en-US" baseline="0" dirty="0"/>
+              <a:t>2005, AJAX was coined by Jesse James Garrett, fundamentally shifting the course of Web Development (dynamic apps)</a:t>
+            </a:r>
+          </a:p>
+          <a:p>
+            <a:endParaRPr lang="en-US" baseline="0" dirty="0"/>
+          </a:p>
+          <a:p>
+            <a:pPr marL="0" marR="0" lvl="0" indent="0" algn="l" defTabSz="914400" rtl="0" eaLnBrk="1" fontAlgn="auto" latinLnBrk="0" hangingPunct="1">
+              <a:lnSpc>
+                <a:spcPct val="100000"/>
+              </a:lnSpc>
+              <a:spcBef>
+                <a:spcPts val="0"/>
+              </a:spcBef>
+              <a:spcAft>
+                <a:spcPts val="0"/>
+              </a:spcAft>
+              <a:buClrTx/>
+              <a:buSzTx/>
+              <a:buFontTx/>
+              <a:buNone/>
+              <a:tabLst/>
+              <a:defRPr/>
+            </a:pPr>
+            <a:r>
+              <a:rPr lang="en-US" dirty="0"/>
+              <a:t>Mosaic Wars, Second</a:t>
+            </a:r>
+            <a:r>
+              <a:rPr lang="en-US" baseline="0" dirty="0"/>
+              <a:t> Browser Wars, Current Browser Wars</a:t>
+            </a:r>
+            <a:endParaRPr lang="en-US" dirty="0"/>
+          </a:p>
+          <a:p>
             <a:endParaRPr lang="en-US" baseline="0" dirty="0"/>
           </a:p>
         </p:txBody>
@@ -2483,7 +2692,7 @@
     </p:spTree>
     <p:extLst>
       <p:ext uri="{BB962C8B-B14F-4D97-AF65-F5344CB8AC3E}">
-        <p14:creationId xmlns:p14="http://schemas.microsoft.com/office/powerpoint/2010/main" val="3705325967"/>
+        <p14:creationId xmlns:p14="http://schemas.microsoft.com/office/powerpoint/2010/main" val="2553566254"/>
       </p:ext>
     </p:extLst>
   </p:cSld>
@@ -2631,7 +2840,7 @@
           <a:p>
             <a:fld id="{BBBAFEF9-2394-4FB7-8823-688D34B0797A}" type="datetimeFigureOut">
               <a:rPr lang="en-US" smtClean="0"/>
-              <a:t>7/12/2016</a:t>
+              <a:t>7/15/2016</a:t>
             </a:fld>
             <a:endParaRPr lang="en-US" dirty="0"/>
           </a:p>
@@ -2807,7 +3016,7 @@
           <a:p>
             <a:fld id="{BBBAFEF9-2394-4FB7-8823-688D34B0797A}" type="datetimeFigureOut">
               <a:rPr lang="en-US" smtClean="0"/>
-              <a:t>7/12/2016</a:t>
+              <a:t>7/15/2016</a:t>
             </a:fld>
             <a:endParaRPr lang="en-US" dirty="0"/>
           </a:p>
@@ -2993,7 +3202,7 @@
           <a:p>
             <a:fld id="{BBBAFEF9-2394-4FB7-8823-688D34B0797A}" type="datetimeFigureOut">
               <a:rPr lang="en-US" smtClean="0"/>
-              <a:t>7/12/2016</a:t>
+              <a:t>7/15/2016</a:t>
             </a:fld>
             <a:endParaRPr lang="en-US" dirty="0"/>
           </a:p>
@@ -3236,7 +3445,7 @@
           <a:p>
             <a:fld id="{BBBAFEF9-2394-4FB7-8823-688D34B0797A}" type="datetimeFigureOut">
               <a:rPr lang="en-US" smtClean="0"/>
-              <a:t>7/12/2016</a:t>
+              <a:t>7/15/2016</a:t>
             </a:fld>
             <a:endParaRPr lang="en-US" dirty="0"/>
           </a:p>
@@ -3489,7 +3698,7 @@
           <a:p>
             <a:fld id="{BBBAFEF9-2394-4FB7-8823-688D34B0797A}" type="datetimeFigureOut">
               <a:rPr lang="en-US" smtClean="0"/>
-              <a:t>7/12/2016</a:t>
+              <a:t>7/15/2016</a:t>
             </a:fld>
             <a:endParaRPr lang="en-US" dirty="0"/>
           </a:p>
@@ -3726,7 +3935,7 @@
           <a:p>
             <a:fld id="{BBBAFEF9-2394-4FB7-8823-688D34B0797A}" type="datetimeFigureOut">
               <a:rPr lang="en-US" smtClean="0"/>
-              <a:t>7/12/2016</a:t>
+              <a:t>7/15/2016</a:t>
             </a:fld>
             <a:endParaRPr lang="en-US" dirty="0"/>
           </a:p>
@@ -4098,7 +4307,7 @@
           <a:p>
             <a:fld id="{BBBAFEF9-2394-4FB7-8823-688D34B0797A}" type="datetimeFigureOut">
               <a:rPr lang="en-US" smtClean="0"/>
-              <a:t>7/12/2016</a:t>
+              <a:t>7/15/2016</a:t>
             </a:fld>
             <a:endParaRPr lang="en-US" dirty="0"/>
           </a:p>
@@ -4234,7 +4443,7 @@
           <a:p>
             <a:fld id="{BBBAFEF9-2394-4FB7-8823-688D34B0797A}" type="datetimeFigureOut">
               <a:rPr lang="en-US" smtClean="0"/>
-              <a:t>7/12/2016</a:t>
+              <a:t>7/15/2016</a:t>
             </a:fld>
             <a:endParaRPr lang="en-US" dirty="0"/>
           </a:p>
@@ -4337,7 +4546,7 @@
           <a:p>
             <a:fld id="{BBBAFEF9-2394-4FB7-8823-688D34B0797A}" type="datetimeFigureOut">
               <a:rPr lang="en-US" smtClean="0"/>
-              <a:t>7/12/2016</a:t>
+              <a:t>7/15/2016</a:t>
             </a:fld>
             <a:endParaRPr lang="en-US" dirty="0"/>
           </a:p>
@@ -4620,7 +4829,7 @@
           <a:p>
             <a:fld id="{BBBAFEF9-2394-4FB7-8823-688D34B0797A}" type="datetimeFigureOut">
               <a:rPr lang="en-US" smtClean="0"/>
-              <a:t>7/12/2016</a:t>
+              <a:t>7/15/2016</a:t>
             </a:fld>
             <a:endParaRPr lang="en-US" dirty="0"/>
           </a:p>
@@ -4884,7 +5093,7 @@
           <a:p>
             <a:fld id="{BBBAFEF9-2394-4FB7-8823-688D34B0797A}" type="datetimeFigureOut">
               <a:rPr lang="en-US" smtClean="0"/>
-              <a:t>7/12/2016</a:t>
+              <a:t>7/15/2016</a:t>
             </a:fld>
             <a:endParaRPr lang="en-US" dirty="0"/>
           </a:p>
@@ -5103,7 +5312,7 @@
           <a:p>
             <a:fld id="{BBBAFEF9-2394-4FB7-8823-688D34B0797A}" type="datetimeFigureOut">
               <a:rPr lang="en-US" smtClean="0"/>
-              <a:t>7/12/2016</a:t>
+              <a:t>7/15/2016</a:t>
             </a:fld>
             <a:endParaRPr lang="en-US" dirty="0"/>
           </a:p>
@@ -5594,12 +5803,14 @@
         </p:nvSpPr>
         <p:spPr>
           <a:xfrm>
-            <a:off x="838200" y="365125"/>
-            <a:ext cx="10515600" cy="6116595"/>
+            <a:off x="908002" y="1902219"/>
+            <a:ext cx="10515600" cy="1254797"/>
           </a:xfrm>
         </p:spPr>
         <p:txBody>
-          <a:bodyPr/>
+          <a:bodyPr>
+            <a:normAutofit fontScale="90000"/>
+          </a:bodyPr>
           <a:lstStyle/>
           <a:p>
             <a:pPr algn="ctr"/>
@@ -5612,7 +5823,121 @@
                   </a:schemeClr>
                 </a:solidFill>
               </a:rPr>
-              <a:t>War Drives Technology</a:t>
+              <a:t>JavaScript: How Ten Days of Hacking Changed the Web</a:t>
+            </a:r>
+            <a:endParaRPr lang="en-US" dirty="0">
+              <a:solidFill>
+                <a:schemeClr val="bg1"/>
+              </a:solidFill>
+            </a:endParaRPr>
+          </a:p>
+        </p:txBody>
+      </p:sp>
+      <p:sp>
+        <p:nvSpPr>
+          <p:cNvPr id="3" name="TextBox 2"/>
+          <p:cNvSpPr txBox="1"/>
+          <p:nvPr/>
+        </p:nvSpPr>
+        <p:spPr>
+          <a:xfrm>
+            <a:off x="818659" y="3991572"/>
+            <a:ext cx="10204983" cy="461665"/>
+          </a:xfrm>
+          <a:prstGeom prst="rect">
+            <a:avLst/>
+          </a:prstGeom>
+          <a:noFill/>
+        </p:spPr>
+        <p:txBody>
+          <a:bodyPr wrap="square" rtlCol="0">
+            <a:spAutoFit/>
+          </a:bodyPr>
+          <a:lstStyle/>
+          <a:p>
+            <a:pPr algn="ctr"/>
+            <a:r>
+              <a:rPr lang="en-US" sz="2400" dirty="0">
+                <a:solidFill>
+                  <a:schemeClr val="accent4">
+                    <a:lumMod val="60000"/>
+                    <a:lumOff val="40000"/>
+                  </a:schemeClr>
+                </a:solidFill>
+              </a:rPr>
+              <a:t>…and desktop, and mobile, and even </a:t>
+            </a:r>
+            <a:r>
+              <a:rPr lang="en-US" sz="2400" b="1" dirty="0">
+                <a:solidFill>
+                  <a:schemeClr val="accent4">
+                    <a:lumMod val="60000"/>
+                    <a:lumOff val="40000"/>
+                  </a:schemeClr>
+                </a:solidFill>
+              </a:rPr>
+              <a:t>satellites</a:t>
+            </a:r>
+            <a:r>
+              <a:rPr lang="en-US" sz="2400" dirty="0">
+                <a:solidFill>
+                  <a:schemeClr val="accent4">
+                    <a:lumMod val="60000"/>
+                    <a:lumOff val="40000"/>
+                  </a:schemeClr>
+                </a:solidFill>
+              </a:rPr>
+              <a:t>.</a:t>
+            </a:r>
+          </a:p>
+        </p:txBody>
+      </p:sp>
+      <p:sp>
+        <p:nvSpPr>
+          <p:cNvPr id="4" name="TextBox 3"/>
+          <p:cNvSpPr txBox="1"/>
+          <p:nvPr/>
+        </p:nvSpPr>
+        <p:spPr>
+          <a:xfrm>
+            <a:off x="2964222" y="5605063"/>
+            <a:ext cx="5913863" cy="369332"/>
+          </a:xfrm>
+          <a:prstGeom prst="rect">
+            <a:avLst/>
+          </a:prstGeom>
+          <a:noFill/>
+        </p:spPr>
+        <p:txBody>
+          <a:bodyPr wrap="none" rtlCol="0">
+            <a:spAutoFit/>
+          </a:bodyPr>
+          <a:lstStyle/>
+          <a:p>
+            <a:pPr algn="ctr"/>
+            <a:r>
+              <a:rPr lang="en-US" dirty="0">
+                <a:solidFill>
+                  <a:schemeClr val="bg1"/>
+                </a:solidFill>
+              </a:rPr>
+              <a:t>“</a:t>
+            </a:r>
+            <a:r>
+              <a:rPr lang="en-US" b="1" strike="sngStrike" dirty="0">
+                <a:solidFill>
+                  <a:schemeClr val="bg1"/>
+                </a:solidFill>
+              </a:rPr>
+              <a:t>Software</a:t>
+            </a:r>
+            <a:r>
+              <a:rPr lang="en-US" dirty="0">
+                <a:solidFill>
+                  <a:schemeClr val="bg1"/>
+                </a:solidFill>
+              </a:rPr>
+              <a:t> JavaScript is eating the world…”  Marc Andreessen</a:t>
             </a:r>
           </a:p>
         </p:txBody>
@@ -5620,13 +5945,207 @@
     </p:spTree>
     <p:extLst>
       <p:ext uri="{BB962C8B-B14F-4D97-AF65-F5344CB8AC3E}">
-        <p14:creationId xmlns:p14="http://schemas.microsoft.com/office/powerpoint/2010/main" val="2624496489"/>
+        <p14:creationId xmlns:p14="http://schemas.microsoft.com/office/powerpoint/2010/main" val="286831002"/>
       </p:ext>
     </p:extLst>
   </p:cSld>
   <p:clrMapOvr>
     <a:masterClrMapping/>
   </p:clrMapOvr>
+  <p:timing>
+    <p:tnLst>
+      <p:par>
+        <p:cTn id="1" dur="indefinite" restart="never" nodeType="tmRoot">
+          <p:childTnLst>
+            <p:seq concurrent="1" nextAc="seek">
+              <p:cTn id="2" dur="indefinite" nodeType="mainSeq">
+                <p:childTnLst>
+                  <p:par>
+                    <p:cTn id="3" fill="hold">
+                      <p:stCondLst>
+                        <p:cond delay="indefinite"/>
+                      </p:stCondLst>
+                      <p:childTnLst>
+                        <p:par>
+                          <p:cTn id="4" fill="hold">
+                            <p:stCondLst>
+                              <p:cond delay="0"/>
+                            </p:stCondLst>
+                            <p:childTnLst>
+                              <p:par>
+                                <p:cTn id="5" presetID="10" presetClass="entr" presetSubtype="0" fill="hold" grpId="0" nodeType="clickEffect">
+                                  <p:stCondLst>
+                                    <p:cond delay="0"/>
+                                  </p:stCondLst>
+                                  <p:childTnLst>
+                                    <p:set>
+                                      <p:cBhvr>
+                                        <p:cTn id="6" dur="1" fill="hold">
+                                          <p:stCondLst>
+                                            <p:cond delay="0"/>
+                                          </p:stCondLst>
+                                        </p:cTn>
+                                        <p:tgtEl>
+                                          <p:spTgt spid="2"/>
+                                        </p:tgtEl>
+                                        <p:attrNameLst>
+                                          <p:attrName>style.visibility</p:attrName>
+                                        </p:attrNameLst>
+                                      </p:cBhvr>
+                                      <p:to>
+                                        <p:strVal val="visible"/>
+                                      </p:to>
+                                    </p:set>
+                                    <p:animEffect transition="in" filter="fade">
+                                      <p:cBhvr>
+                                        <p:cTn id="7" dur="500"/>
+                                        <p:tgtEl>
+                                          <p:spTgt spid="2"/>
+                                        </p:tgtEl>
+                                      </p:cBhvr>
+                                    </p:animEffect>
+                                  </p:childTnLst>
+                                </p:cTn>
+                              </p:par>
+                            </p:childTnLst>
+                          </p:cTn>
+                        </p:par>
+                      </p:childTnLst>
+                    </p:cTn>
+                  </p:par>
+                  <p:par>
+                    <p:cTn id="8" fill="hold">
+                      <p:stCondLst>
+                        <p:cond delay="indefinite"/>
+                      </p:stCondLst>
+                      <p:childTnLst>
+                        <p:par>
+                          <p:cTn id="9" fill="hold">
+                            <p:stCondLst>
+                              <p:cond delay="0"/>
+                            </p:stCondLst>
+                            <p:childTnLst>
+                              <p:par>
+                                <p:cTn id="10" presetID="10" presetClass="entr" presetSubtype="0" fill="hold" grpId="0" nodeType="clickEffect">
+                                  <p:stCondLst>
+                                    <p:cond delay="0"/>
+                                  </p:stCondLst>
+                                  <p:childTnLst>
+                                    <p:set>
+                                      <p:cBhvr>
+                                        <p:cTn id="11" dur="1" fill="hold">
+                                          <p:stCondLst>
+                                            <p:cond delay="0"/>
+                                          </p:stCondLst>
+                                        </p:cTn>
+                                        <p:tgtEl>
+                                          <p:spTgt spid="3"/>
+                                        </p:tgtEl>
+                                        <p:attrNameLst>
+                                          <p:attrName>style.visibility</p:attrName>
+                                        </p:attrNameLst>
+                                      </p:cBhvr>
+                                      <p:to>
+                                        <p:strVal val="visible"/>
+                                      </p:to>
+                                    </p:set>
+                                    <p:animEffect transition="in" filter="fade">
+                                      <p:cBhvr>
+                                        <p:cTn id="12" dur="500"/>
+                                        <p:tgtEl>
+                                          <p:spTgt spid="3"/>
+                                        </p:tgtEl>
+                                      </p:cBhvr>
+                                    </p:animEffect>
+                                  </p:childTnLst>
+                                </p:cTn>
+                              </p:par>
+                            </p:childTnLst>
+                          </p:cTn>
+                        </p:par>
+                      </p:childTnLst>
+                    </p:cTn>
+                  </p:par>
+                  <p:par>
+                    <p:cTn id="13" fill="hold">
+                      <p:stCondLst>
+                        <p:cond delay="indefinite"/>
+                      </p:stCondLst>
+                      <p:childTnLst>
+                        <p:par>
+                          <p:cTn id="14" fill="hold">
+                            <p:stCondLst>
+                              <p:cond delay="0"/>
+                            </p:stCondLst>
+                            <p:childTnLst>
+                              <p:par>
+                                <p:cTn id="15" presetID="10" presetClass="entr" presetSubtype="0" fill="hold" grpId="0" nodeType="clickEffect">
+                                  <p:stCondLst>
+                                    <p:cond delay="0"/>
+                                  </p:stCondLst>
+                                  <p:childTnLst>
+                                    <p:set>
+                                      <p:cBhvr>
+                                        <p:cTn id="16" dur="1" fill="hold">
+                                          <p:stCondLst>
+                                            <p:cond delay="0"/>
+                                          </p:stCondLst>
+                                        </p:cTn>
+                                        <p:tgtEl>
+                                          <p:spTgt spid="4"/>
+                                        </p:tgtEl>
+                                        <p:attrNameLst>
+                                          <p:attrName>style.visibility</p:attrName>
+                                        </p:attrNameLst>
+                                      </p:cBhvr>
+                                      <p:to>
+                                        <p:strVal val="visible"/>
+                                      </p:to>
+                                    </p:set>
+                                    <p:animEffect transition="in" filter="fade">
+                                      <p:cBhvr>
+                                        <p:cTn id="17" dur="500"/>
+                                        <p:tgtEl>
+                                          <p:spTgt spid="4"/>
+                                        </p:tgtEl>
+                                      </p:cBhvr>
+                                    </p:animEffect>
+                                  </p:childTnLst>
+                                </p:cTn>
+                              </p:par>
+                            </p:childTnLst>
+                          </p:cTn>
+                        </p:par>
+                      </p:childTnLst>
+                    </p:cTn>
+                  </p:par>
+                </p:childTnLst>
+              </p:cTn>
+              <p:prevCondLst>
+                <p:cond evt="onPrev" delay="0">
+                  <p:tgtEl>
+                    <p:sldTgt/>
+                  </p:tgtEl>
+                </p:cond>
+              </p:prevCondLst>
+              <p:nextCondLst>
+                <p:cond evt="onNext" delay="0">
+                  <p:tgtEl>
+                    <p:sldTgt/>
+                  </p:tgtEl>
+                </p:cond>
+              </p:nextCondLst>
+            </p:seq>
+          </p:childTnLst>
+        </p:cTn>
+      </p:par>
+    </p:tnLst>
+    <p:bldLst>
+      <p:bldP spid="2" grpId="0"/>
+      <p:bldP spid="3" grpId="0"/>
+      <p:bldP spid="4" grpId="0"/>
+    </p:bldLst>
+  </p:timing>
 </p:sld>
 </file>
 
@@ -5677,6 +6196,71 @@
                   </a:schemeClr>
                 </a:solidFill>
               </a:rPr>
+              <a:t>War Drives Technology</a:t>
+            </a:r>
+          </a:p>
+        </p:txBody>
+      </p:sp>
+    </p:spTree>
+    <p:extLst>
+      <p:ext uri="{BB962C8B-B14F-4D97-AF65-F5344CB8AC3E}">
+        <p14:creationId xmlns:p14="http://schemas.microsoft.com/office/powerpoint/2010/main" val="2624496489"/>
+      </p:ext>
+    </p:extLst>
+  </p:cSld>
+  <p:clrMapOvr>
+    <a:masterClrMapping/>
+  </p:clrMapOvr>
+</p:sld>
+</file>
+
+<file path=ppt/slides/slide12.xml><?xml version="1.0" encoding="utf-8"?>
+<p:sld xmlns:a="http://schemas.openxmlformats.org/drawingml/2006/main" xmlns:r="http://schemas.openxmlformats.org/officeDocument/2006/relationships" xmlns:p="http://schemas.openxmlformats.org/presentationml/2006/main">
+  <p:cSld>
+    <p:spTree>
+      <p:nvGrpSpPr>
+        <p:cNvPr id="1" name=""/>
+        <p:cNvGrpSpPr/>
+        <p:nvPr/>
+      </p:nvGrpSpPr>
+      <p:grpSpPr>
+        <a:xfrm>
+          <a:off x="0" y="0"/>
+          <a:ext cx="0" cy="0"/>
+          <a:chOff x="0" y="0"/>
+          <a:chExt cx="0" cy="0"/>
+        </a:xfrm>
+      </p:grpSpPr>
+      <p:sp>
+        <p:nvSpPr>
+          <p:cNvPr id="2" name="Title 1"/>
+          <p:cNvSpPr>
+            <a:spLocks noGrp="1"/>
+          </p:cNvSpPr>
+          <p:nvPr>
+            <p:ph type="title"/>
+          </p:nvPr>
+        </p:nvSpPr>
+        <p:spPr>
+          <a:xfrm>
+            <a:off x="838200" y="365125"/>
+            <a:ext cx="10515600" cy="6116595"/>
+          </a:xfrm>
+        </p:spPr>
+        <p:txBody>
+          <a:bodyPr/>
+          <a:lstStyle/>
+          <a:p>
+            <a:pPr algn="ctr"/>
+            <a:r>
+              <a:rPr lang="en-US" dirty="0">
+                <a:solidFill>
+                  <a:schemeClr val="accent4">
+                    <a:lumMod val="60000"/>
+                    <a:lumOff val="40000"/>
+                  </a:schemeClr>
+                </a:solidFill>
+              </a:rPr>
               <a:t>Why Should You Care About JavaScript?</a:t>
             </a:r>
           </a:p>
@@ -5695,7 +6279,7 @@
 </p:sld>
 </file>
 
-<file path=ppt/slides/slide12.xml><?xml version="1.0" encoding="utf-8"?>
+<file path=ppt/slides/slide13.xml><?xml version="1.0" encoding="utf-8"?>
 <p:sld xmlns:a="http://schemas.openxmlformats.org/drawingml/2006/main" xmlns:r="http://schemas.openxmlformats.org/officeDocument/2006/relationships" xmlns:p="http://schemas.openxmlformats.org/presentationml/2006/main">
   <p:cSld>
     <p:spTree>
@@ -6069,71 +6653,6 @@
 </p:sld>
 </file>
 
-<file path=ppt/slides/slide13.xml><?xml version="1.0" encoding="utf-8"?>
-<p:sld xmlns:a="http://schemas.openxmlformats.org/drawingml/2006/main" xmlns:r="http://schemas.openxmlformats.org/officeDocument/2006/relationships" xmlns:p="http://schemas.openxmlformats.org/presentationml/2006/main">
-  <p:cSld>
-    <p:spTree>
-      <p:nvGrpSpPr>
-        <p:cNvPr id="1" name=""/>
-        <p:cNvGrpSpPr/>
-        <p:nvPr/>
-      </p:nvGrpSpPr>
-      <p:grpSpPr>
-        <a:xfrm>
-          <a:off x="0" y="0"/>
-          <a:ext cx="0" cy="0"/>
-          <a:chOff x="0" y="0"/>
-          <a:chExt cx="0" cy="0"/>
-        </a:xfrm>
-      </p:grpSpPr>
-      <p:sp>
-        <p:nvSpPr>
-          <p:cNvPr id="2" name="Title 1"/>
-          <p:cNvSpPr>
-            <a:spLocks noGrp="1"/>
-          </p:cNvSpPr>
-          <p:nvPr>
-            <p:ph type="title"/>
-          </p:nvPr>
-        </p:nvSpPr>
-        <p:spPr>
-          <a:xfrm>
-            <a:off x="838200" y="365125"/>
-            <a:ext cx="10515600" cy="6116595"/>
-          </a:xfrm>
-        </p:spPr>
-        <p:txBody>
-          <a:bodyPr/>
-          <a:lstStyle/>
-          <a:p>
-            <a:pPr algn="ctr"/>
-            <a:r>
-              <a:rPr lang="en-US" dirty="0">
-                <a:solidFill>
-                  <a:schemeClr val="accent4">
-                    <a:lumMod val="60000"/>
-                    <a:lumOff val="40000"/>
-                  </a:schemeClr>
-                </a:solidFill>
-              </a:rPr>
-              <a:t>“It’s Easy”</a:t>
-            </a:r>
-          </a:p>
-        </p:txBody>
-      </p:sp>
-    </p:spTree>
-    <p:extLst>
-      <p:ext uri="{BB962C8B-B14F-4D97-AF65-F5344CB8AC3E}">
-        <p14:creationId xmlns:p14="http://schemas.microsoft.com/office/powerpoint/2010/main" val="1045236050"/>
-      </p:ext>
-    </p:extLst>
-  </p:cSld>
-  <p:clrMapOvr>
-    <a:masterClrMapping/>
-  </p:clrMapOvr>
-</p:sld>
-</file>
-
 <file path=ppt/slides/slide14.xml><?xml version="1.0" encoding="utf-8"?>
 <p:sld xmlns:a="http://schemas.openxmlformats.org/drawingml/2006/main" xmlns:r="http://schemas.openxmlformats.org/officeDocument/2006/relationships" xmlns:p="http://schemas.openxmlformats.org/presentationml/2006/main">
   <p:cSld>
@@ -6181,7 +6700,7 @@
                   </a:schemeClr>
                 </a:solidFill>
               </a:rPr>
-              <a:t>Frameworks &amp; Libraries</a:t>
+              <a:t>Basics</a:t>
             </a:r>
           </a:p>
         </p:txBody>
@@ -6189,7 +6708,7 @@
     </p:spTree>
     <p:extLst>
       <p:ext uri="{BB962C8B-B14F-4D97-AF65-F5344CB8AC3E}">
-        <p14:creationId xmlns:p14="http://schemas.microsoft.com/office/powerpoint/2010/main" val="3641357003"/>
+        <p14:creationId xmlns:p14="http://schemas.microsoft.com/office/powerpoint/2010/main" val="1045236050"/>
       </p:ext>
     </p:extLst>
   </p:cSld>
@@ -6246,7 +6765,7 @@
                   </a:schemeClr>
                 </a:solidFill>
               </a:rPr>
-              <a:t>jQuery</a:t>
+              <a:t>Frameworks &amp; Libraries</a:t>
             </a:r>
           </a:p>
         </p:txBody>
@@ -6254,7 +6773,7 @@
     </p:spTree>
     <p:extLst>
       <p:ext uri="{BB962C8B-B14F-4D97-AF65-F5344CB8AC3E}">
-        <p14:creationId xmlns:p14="http://schemas.microsoft.com/office/powerpoint/2010/main" val="4229655757"/>
+        <p14:creationId xmlns:p14="http://schemas.microsoft.com/office/powerpoint/2010/main" val="3641357003"/>
       </p:ext>
     </p:extLst>
   </p:cSld>
@@ -6311,51 +6830,7 @@
                   </a:schemeClr>
                 </a:solidFill>
               </a:rPr>
-              <a:t>Backbone, Angular, Ember, Knockout, Polymer, React, </a:t>
-            </a:r>
-            <a:r>
-              <a:rPr lang="en-US" dirty="0" err="1">
-                <a:solidFill>
-                  <a:schemeClr val="accent4">
-                    <a:lumMod val="60000"/>
-                    <a:lumOff val="40000"/>
-                  </a:schemeClr>
-                </a:solidFill>
-              </a:rPr>
-              <a:t>Mithril</a:t>
-            </a:r>
-            <a:r>
-              <a:rPr lang="en-US" dirty="0">
-                <a:solidFill>
-                  <a:schemeClr val="accent4">
-                    <a:lumMod val="60000"/>
-                    <a:lumOff val="40000"/>
-                  </a:schemeClr>
-                </a:solidFill>
-              </a:rPr>
-              <a:t>, Ampersand, Flight, </a:t>
-            </a:r>
-            <a:r>
-              <a:rPr lang="en-US" dirty="0" err="1">
-                <a:solidFill>
-                  <a:schemeClr val="accent4">
-                    <a:lumMod val="60000"/>
-                    <a:lumOff val="40000"/>
-                  </a:schemeClr>
-                </a:solidFill>
-              </a:rPr>
-              <a:t>Vue</a:t>
-            </a:r>
-            <a:r>
-              <a:rPr lang="en-US" dirty="0">
-                <a:solidFill>
-                  <a:schemeClr val="accent4">
-                    <a:lumMod val="60000"/>
-                    <a:lumOff val="40000"/>
-                  </a:schemeClr>
-                </a:solidFill>
-              </a:rPr>
-              <a:t>, Node… WTFJS</a:t>
+              <a:t>jQuery</a:t>
             </a:r>
           </a:p>
         </p:txBody>
@@ -6363,7 +6838,7 @@
     </p:spTree>
     <p:extLst>
       <p:ext uri="{BB962C8B-B14F-4D97-AF65-F5344CB8AC3E}">
-        <p14:creationId xmlns:p14="http://schemas.microsoft.com/office/powerpoint/2010/main" val="387764586"/>
+        <p14:creationId xmlns:p14="http://schemas.microsoft.com/office/powerpoint/2010/main" val="4229655757"/>
       </p:ext>
     </p:extLst>
   </p:cSld>
@@ -6420,7 +6895,51 @@
                   </a:schemeClr>
                 </a:solidFill>
               </a:rPr>
-              <a:t>Silver Bullets</a:t>
+              <a:t>Backbone, Angular, Ember, Knockout, Polymer, React, </a:t>
+            </a:r>
+            <a:r>
+              <a:rPr lang="en-US" dirty="0" err="1">
+                <a:solidFill>
+                  <a:schemeClr val="accent4">
+                    <a:lumMod val="60000"/>
+                    <a:lumOff val="40000"/>
+                  </a:schemeClr>
+                </a:solidFill>
+              </a:rPr>
+              <a:t>Mithril</a:t>
+            </a:r>
+            <a:r>
+              <a:rPr lang="en-US" dirty="0">
+                <a:solidFill>
+                  <a:schemeClr val="accent4">
+                    <a:lumMod val="60000"/>
+                    <a:lumOff val="40000"/>
+                  </a:schemeClr>
+                </a:solidFill>
+              </a:rPr>
+              <a:t>, Ampersand, Flight, </a:t>
+            </a:r>
+            <a:r>
+              <a:rPr lang="en-US" dirty="0" err="1">
+                <a:solidFill>
+                  <a:schemeClr val="accent4">
+                    <a:lumMod val="60000"/>
+                    <a:lumOff val="40000"/>
+                  </a:schemeClr>
+                </a:solidFill>
+              </a:rPr>
+              <a:t>Vue</a:t>
+            </a:r>
+            <a:r>
+              <a:rPr lang="en-US" dirty="0">
+                <a:solidFill>
+                  <a:schemeClr val="accent4">
+                    <a:lumMod val="60000"/>
+                    <a:lumOff val="40000"/>
+                  </a:schemeClr>
+                </a:solidFill>
+              </a:rPr>
+              <a:t>, Node… WTFJS</a:t>
             </a:r>
           </a:p>
         </p:txBody>
@@ -6428,7 +6947,7 @@
     </p:spTree>
     <p:extLst>
       <p:ext uri="{BB962C8B-B14F-4D97-AF65-F5344CB8AC3E}">
-        <p14:creationId xmlns:p14="http://schemas.microsoft.com/office/powerpoint/2010/main" val="940196430"/>
+        <p14:creationId xmlns:p14="http://schemas.microsoft.com/office/powerpoint/2010/main" val="387764586"/>
       </p:ext>
     </p:extLst>
   </p:cSld>
@@ -6485,7 +7004,7 @@
                   </a:schemeClr>
                 </a:solidFill>
               </a:rPr>
-              <a:t>SPAs</a:t>
+              <a:t>Silver Bullets</a:t>
             </a:r>
           </a:p>
         </p:txBody>
@@ -6493,7 +7012,7 @@
     </p:spTree>
     <p:extLst>
       <p:ext uri="{BB962C8B-B14F-4D97-AF65-F5344CB8AC3E}">
-        <p14:creationId xmlns:p14="http://schemas.microsoft.com/office/powerpoint/2010/main" val="2204910831"/>
+        <p14:creationId xmlns:p14="http://schemas.microsoft.com/office/powerpoint/2010/main" val="940196430"/>
       </p:ext>
     </p:extLst>
   </p:cSld>
@@ -6550,7 +7069,7 @@
                   </a:schemeClr>
                 </a:solidFill>
               </a:rPr>
-              <a:t>Code</a:t>
+              <a:t>SPAs</a:t>
             </a:r>
           </a:p>
         </p:txBody>
@@ -6558,7 +7077,7 @@
     </p:spTree>
     <p:extLst>
       <p:ext uri="{BB962C8B-B14F-4D97-AF65-F5344CB8AC3E}">
-        <p14:creationId xmlns:p14="http://schemas.microsoft.com/office/powerpoint/2010/main" val="1528890650"/>
+        <p14:creationId xmlns:p14="http://schemas.microsoft.com/office/powerpoint/2010/main" val="2204910831"/>
       </p:ext>
     </p:extLst>
   </p:cSld>
@@ -6952,7 +7471,7 @@
                   </a:schemeClr>
                 </a:solidFill>
               </a:rPr>
-              <a:t>Questions?</a:t>
+              <a:t>Code</a:t>
             </a:r>
           </a:p>
         </p:txBody>
@@ -6960,7 +7479,7 @@
     </p:spTree>
     <p:extLst>
       <p:ext uri="{BB962C8B-B14F-4D97-AF65-F5344CB8AC3E}">
-        <p14:creationId xmlns:p14="http://schemas.microsoft.com/office/powerpoint/2010/main" val="4133248208"/>
+        <p14:creationId xmlns:p14="http://schemas.microsoft.com/office/powerpoint/2010/main" val="1528890650"/>
       </p:ext>
     </p:extLst>
   </p:cSld>
@@ -6999,6 +7518,136 @@
         </p:nvSpPr>
         <p:spPr>
           <a:xfrm>
+            <a:off x="838200" y="365125"/>
+            <a:ext cx="10515600" cy="6116595"/>
+          </a:xfrm>
+        </p:spPr>
+        <p:txBody>
+          <a:bodyPr/>
+          <a:lstStyle/>
+          <a:p>
+            <a:pPr algn="ctr"/>
+            <a:r>
+              <a:rPr lang="en-US" dirty="0">
+                <a:solidFill>
+                  <a:schemeClr val="accent4">
+                    <a:lumMod val="60000"/>
+                    <a:lumOff val="40000"/>
+                  </a:schemeClr>
+                </a:solidFill>
+              </a:rPr>
+              <a:t>Questions?</a:t>
+            </a:r>
+          </a:p>
+        </p:txBody>
+      </p:sp>
+    </p:spTree>
+    <p:extLst>
+      <p:ext uri="{BB962C8B-B14F-4D97-AF65-F5344CB8AC3E}">
+        <p14:creationId xmlns:p14="http://schemas.microsoft.com/office/powerpoint/2010/main" val="4133248208"/>
+      </p:ext>
+    </p:extLst>
+  </p:cSld>
+  <p:clrMapOvr>
+    <a:masterClrMapping/>
+  </p:clrMapOvr>
+</p:sld>
+</file>
+
+<file path=ppt/slides/slide22.xml><?xml version="1.0" encoding="utf-8"?>
+<p:sld xmlns:a="http://schemas.openxmlformats.org/drawingml/2006/main" xmlns:r="http://schemas.openxmlformats.org/officeDocument/2006/relationships" xmlns:p="http://schemas.openxmlformats.org/presentationml/2006/main">
+  <p:cSld>
+    <p:spTree>
+      <p:nvGrpSpPr>
+        <p:cNvPr id="1" name=""/>
+        <p:cNvGrpSpPr/>
+        <p:nvPr/>
+      </p:nvGrpSpPr>
+      <p:grpSpPr>
+        <a:xfrm>
+          <a:off x="0" y="0"/>
+          <a:ext cx="0" cy="0"/>
+          <a:chOff x="0" y="0"/>
+          <a:chExt cx="0" cy="0"/>
+        </a:xfrm>
+      </p:grpSpPr>
+      <p:sp>
+        <p:nvSpPr>
+          <p:cNvPr id="2" name="Title 1"/>
+          <p:cNvSpPr>
+            <a:spLocks noGrp="1"/>
+          </p:cNvSpPr>
+          <p:nvPr>
+            <p:ph type="title"/>
+          </p:nvPr>
+        </p:nvSpPr>
+        <p:spPr>
+          <a:xfrm>
+            <a:off x="838200" y="365125"/>
+            <a:ext cx="10515600" cy="6116595"/>
+          </a:xfrm>
+        </p:spPr>
+        <p:txBody>
+          <a:bodyPr/>
+          <a:lstStyle/>
+          <a:p>
+            <a:pPr algn="ctr"/>
+            <a:r>
+              <a:rPr lang="en-US" dirty="0">
+                <a:solidFill>
+                  <a:schemeClr val="accent4">
+                    <a:lumMod val="60000"/>
+                    <a:lumOff val="40000"/>
+                  </a:schemeClr>
+                </a:solidFill>
+              </a:rPr>
+              <a:t>Homework</a:t>
+            </a:r>
+          </a:p>
+        </p:txBody>
+      </p:sp>
+    </p:spTree>
+    <p:extLst>
+      <p:ext uri="{BB962C8B-B14F-4D97-AF65-F5344CB8AC3E}">
+        <p14:creationId xmlns:p14="http://schemas.microsoft.com/office/powerpoint/2010/main" val="2509186481"/>
+      </p:ext>
+    </p:extLst>
+  </p:cSld>
+  <p:clrMapOvr>
+    <a:masterClrMapping/>
+  </p:clrMapOvr>
+</p:sld>
+</file>
+
+<file path=ppt/slides/slide23.xml><?xml version="1.0" encoding="utf-8"?>
+<p:sld xmlns:a="http://schemas.openxmlformats.org/drawingml/2006/main" xmlns:r="http://schemas.openxmlformats.org/officeDocument/2006/relationships" xmlns:p="http://schemas.openxmlformats.org/presentationml/2006/main">
+  <p:cSld>
+    <p:spTree>
+      <p:nvGrpSpPr>
+        <p:cNvPr id="1" name=""/>
+        <p:cNvGrpSpPr/>
+        <p:nvPr/>
+      </p:nvGrpSpPr>
+      <p:grpSpPr>
+        <a:xfrm>
+          <a:off x="0" y="0"/>
+          <a:ext cx="0" cy="0"/>
+          <a:chOff x="0" y="0"/>
+          <a:chExt cx="0" cy="0"/>
+        </a:xfrm>
+      </p:grpSpPr>
+      <p:sp>
+        <p:nvSpPr>
+          <p:cNvPr id="2" name="Title 1"/>
+          <p:cNvSpPr>
+            <a:spLocks noGrp="1"/>
+          </p:cNvSpPr>
+          <p:nvPr>
+            <p:ph type="title"/>
+          </p:nvPr>
+        </p:nvSpPr>
+        <p:spPr>
+          <a:xfrm>
             <a:off x="838200" y="365126"/>
             <a:ext cx="10515600" cy="742834"/>
           </a:xfrm>
@@ -7030,8 +7679,8 @@
         </p:nvSpPr>
         <p:spPr>
           <a:xfrm>
-            <a:off x="1948999" y="1269043"/>
-            <a:ext cx="8294001" cy="4801314"/>
+            <a:off x="1121366" y="1301519"/>
+            <a:ext cx="9497687" cy="5016758"/>
           </a:xfrm>
           <a:prstGeom prst="rect">
             <a:avLst/>
@@ -7039,14 +7688,14 @@
           <a:noFill/>
         </p:spPr>
         <p:txBody>
-          <a:bodyPr wrap="none" rtlCol="0">
+          <a:bodyPr wrap="square" rtlCol="0">
             <a:spAutoFit/>
           </a:bodyPr>
           <a:lstStyle/>
           <a:p>
             <a:pPr algn="ctr"/>
             <a:r>
-              <a:rPr lang="en-US" dirty="0">
+              <a:rPr lang="en-US" sz="1400" dirty="0">
                 <a:solidFill>
                   <a:schemeClr val="bg1">
                     <a:lumMod val="95000"/>
@@ -7059,7 +7708,7 @@
           </a:p>
           <a:p>
             <a:pPr algn="ctr"/>
-            <a:endParaRPr lang="en-US" dirty="0">
+            <a:endParaRPr lang="en-US" sz="1400" dirty="0">
               <a:solidFill>
                 <a:schemeClr val="bg1">
                   <a:lumMod val="95000"/>
@@ -7071,7 +7720,7 @@
           <a:p>
             <a:pPr algn="ctr"/>
             <a:r>
-              <a:rPr lang="en-US" dirty="0">
+              <a:rPr lang="en-US" sz="1400" dirty="0">
                 <a:solidFill>
                   <a:schemeClr val="bg1">
                     <a:lumMod val="95000"/>
@@ -7081,7 +7730,7 @@
               </a:rPr>
               <a:t>http://interactivepython.org/runestone/static/webfundamentals/Javascript/intro.html</a:t>
             </a:r>
-            <a:endParaRPr lang="en-US" dirty="0">
+            <a:endParaRPr lang="en-US" sz="1400" dirty="0">
               <a:solidFill>
                 <a:schemeClr val="bg1">
                   <a:lumMod val="95000"/>
@@ -7091,7 +7740,7 @@
           </a:p>
           <a:p>
             <a:pPr algn="ctr"/>
-            <a:endParaRPr lang="en-US" dirty="0">
+            <a:endParaRPr lang="en-US" sz="1400" dirty="0">
               <a:solidFill>
                 <a:schemeClr val="bg1">
                   <a:lumMod val="95000"/>
@@ -7102,7 +7751,7 @@
           <a:p>
             <a:pPr algn="ctr"/>
             <a:r>
-              <a:rPr lang="en-US" dirty="0">
+              <a:rPr lang="en-US" sz="1400" dirty="0">
                 <a:solidFill>
                   <a:schemeClr val="bg1">
                     <a:lumMod val="95000"/>
@@ -7112,7 +7761,7 @@
               </a:rPr>
               <a:t>https://www.codecademy.com/learn/javascript</a:t>
             </a:r>
-            <a:endParaRPr lang="en-US" dirty="0">
+            <a:endParaRPr lang="en-US" sz="1400" dirty="0">
               <a:solidFill>
                 <a:schemeClr val="bg1">
                   <a:lumMod val="95000"/>
@@ -7122,7 +7771,7 @@
           </a:p>
           <a:p>
             <a:pPr algn="ctr"/>
-            <a:endParaRPr lang="en-US" dirty="0">
+            <a:endParaRPr lang="en-US" sz="1400" dirty="0">
               <a:solidFill>
                 <a:schemeClr val="bg1">
                   <a:lumMod val="95000"/>
@@ -7133,7 +7782,7 @@
           <a:p>
             <a:pPr algn="ctr"/>
             <a:r>
-              <a:rPr lang="en-US" dirty="0">
+              <a:rPr lang="en-US" sz="1400" dirty="0">
                 <a:solidFill>
                   <a:schemeClr val="bg1">
                     <a:lumMod val="95000"/>
@@ -7143,7 +7792,7 @@
               </a:rPr>
               <a:t>http://www.crockford.com/</a:t>
             </a:r>
-            <a:endParaRPr lang="en-US" dirty="0">
+            <a:endParaRPr lang="en-US" sz="1400" dirty="0">
               <a:solidFill>
                 <a:schemeClr val="bg1">
                   <a:lumMod val="95000"/>
@@ -7153,7 +7802,7 @@
           </a:p>
           <a:p>
             <a:pPr algn="ctr"/>
-            <a:endParaRPr lang="en-US" dirty="0">
+            <a:endParaRPr lang="en-US" sz="1400" dirty="0">
               <a:solidFill>
                 <a:schemeClr val="bg1">
                   <a:lumMod val="95000"/>
@@ -7164,7 +7813,7 @@
           <a:p>
             <a:pPr algn="ctr"/>
             <a:r>
-              <a:rPr lang="en-US" dirty="0">
+              <a:rPr lang="en-US" sz="1400" dirty="0">
                 <a:solidFill>
                   <a:schemeClr val="bg1">
                     <a:lumMod val="95000"/>
@@ -7174,7 +7823,7 @@
               </a:rPr>
               <a:t>https://javascriptweblog.wordpress.com/</a:t>
             </a:r>
-            <a:endParaRPr lang="en-US" dirty="0">
+            <a:endParaRPr lang="en-US" sz="1400" dirty="0">
               <a:solidFill>
                 <a:schemeClr val="bg1">
                   <a:lumMod val="95000"/>
@@ -7184,7 +7833,7 @@
           </a:p>
           <a:p>
             <a:pPr algn="ctr"/>
-            <a:endParaRPr lang="en-US" dirty="0">
+            <a:endParaRPr lang="en-US" sz="1200" dirty="0">
               <a:solidFill>
                 <a:schemeClr val="bg1">
                   <a:lumMod val="95000"/>
@@ -7195,7 +7844,7 @@
           <a:p>
             <a:pPr algn="ctr"/>
             <a:r>
-              <a:rPr lang="en-US" dirty="0">
+              <a:rPr lang="en-US" sz="1400" dirty="0">
                 <a:solidFill>
                   <a:schemeClr val="bg1">
                     <a:lumMod val="95000"/>
@@ -7205,7 +7854,7 @@
               </a:rPr>
               <a:t>https://facebook.github.io/react/</a:t>
             </a:r>
-            <a:endParaRPr lang="en-US" dirty="0">
+            <a:endParaRPr lang="en-US" sz="1400" dirty="0">
               <a:solidFill>
                 <a:schemeClr val="bg1">
                   <a:lumMod val="95000"/>
@@ -7215,7 +7864,7 @@
           </a:p>
           <a:p>
             <a:pPr algn="ctr"/>
-            <a:endParaRPr lang="en-US" dirty="0">
+            <a:endParaRPr lang="en-US" sz="1400" dirty="0">
               <a:solidFill>
                 <a:schemeClr val="bg1">
                   <a:lumMod val="95000"/>
@@ -7226,7 +7875,7 @@
           <a:p>
             <a:pPr algn="ctr"/>
             <a:r>
-              <a:rPr lang="en-US" dirty="0">
+              <a:rPr lang="en-US" sz="1400" dirty="0">
                 <a:solidFill>
                   <a:schemeClr val="bg1">
                     <a:lumMod val="95000"/>
@@ -7236,7 +7885,7 @@
               </a:rPr>
               <a:t>https://angularjs.org/</a:t>
             </a:r>
-            <a:endParaRPr lang="en-US" dirty="0">
+            <a:endParaRPr lang="en-US" sz="1400" dirty="0">
               <a:solidFill>
                 <a:schemeClr val="bg1">
                   <a:lumMod val="95000"/>
@@ -7246,7 +7895,7 @@
           </a:p>
           <a:p>
             <a:pPr algn="ctr"/>
-            <a:endParaRPr lang="en-US" dirty="0">
+            <a:endParaRPr lang="en-US" sz="1400" dirty="0">
               <a:solidFill>
                 <a:schemeClr val="bg1">
                   <a:lumMod val="95000"/>
@@ -7257,7 +7906,7 @@
           <a:p>
             <a:pPr algn="ctr"/>
             <a:r>
-              <a:rPr lang="en-US" dirty="0">
+              <a:rPr lang="en-US" sz="1400" dirty="0">
                 <a:solidFill>
                   <a:schemeClr val="bg1">
                     <a:lumMod val="95000"/>
@@ -7267,7 +7916,7 @@
               </a:rPr>
               <a:t>http://emberjs.com/</a:t>
             </a:r>
-            <a:endParaRPr lang="en-US" dirty="0">
+            <a:endParaRPr lang="en-US" sz="1400" dirty="0">
               <a:solidFill>
                 <a:schemeClr val="bg1">
                   <a:lumMod val="95000"/>
@@ -7277,7 +7926,7 @@
           </a:p>
           <a:p>
             <a:pPr algn="ctr"/>
-            <a:endParaRPr lang="en-US" dirty="0">
+            <a:endParaRPr lang="en-US" sz="1400" dirty="0">
               <a:solidFill>
                 <a:schemeClr val="bg1">
                   <a:lumMod val="95000"/>
@@ -7288,15 +7937,116 @@
           <a:p>
             <a:pPr algn="ctr"/>
             <a:r>
-              <a:rPr lang="en-US" dirty="0">
+              <a:rPr lang="en-US" sz="1400" dirty="0">
                 <a:solidFill>
                   <a:schemeClr val="bg1">
                     <a:lumMod val="95000"/>
                   </a:schemeClr>
                 </a:solidFill>
+                <a:hlinkClick r:id="rId10"/>
               </a:rPr>
               <a:t>https://jquery.com/</a:t>
             </a:r>
+            <a:endParaRPr lang="en-US" sz="1400" dirty="0">
+              <a:solidFill>
+                <a:schemeClr val="bg1">
+                  <a:lumMod val="95000"/>
+                </a:schemeClr>
+              </a:solidFill>
+            </a:endParaRPr>
+          </a:p>
+          <a:p>
+            <a:pPr algn="ctr"/>
+            <a:endParaRPr lang="en-US" sz="1400" dirty="0">
+              <a:solidFill>
+                <a:schemeClr val="bg1">
+                  <a:lumMod val="95000"/>
+                </a:schemeClr>
+              </a:solidFill>
+            </a:endParaRPr>
+          </a:p>
+          <a:p>
+            <a:pPr algn="ctr"/>
+            <a:r>
+              <a:rPr lang="en-US" sz="1400" dirty="0">
+                <a:solidFill>
+                  <a:schemeClr val="bg1">
+                    <a:lumMod val="95000"/>
+                  </a:schemeClr>
+                </a:solidFill>
+                <a:hlinkClick r:id="rId11"/>
+              </a:rPr>
+              <a:t>https://github.com/getify/You-Dont-Know-JS</a:t>
+            </a:r>
+            <a:endParaRPr lang="en-US" sz="1400" dirty="0">
+              <a:solidFill>
+                <a:schemeClr val="bg1">
+                  <a:lumMod val="95000"/>
+                </a:schemeClr>
+              </a:solidFill>
+            </a:endParaRPr>
+          </a:p>
+          <a:p>
+            <a:pPr algn="ctr"/>
+            <a:endParaRPr lang="en-US" sz="1400" dirty="0">
+              <a:solidFill>
+                <a:schemeClr val="bg1">
+                  <a:lumMod val="95000"/>
+                </a:schemeClr>
+              </a:solidFill>
+            </a:endParaRPr>
+          </a:p>
+          <a:p>
+            <a:pPr algn="ctr"/>
+            <a:r>
+              <a:rPr lang="en-US" sz="1400" dirty="0">
+                <a:solidFill>
+                  <a:schemeClr val="bg1">
+                    <a:lumMod val="95000"/>
+                  </a:schemeClr>
+                </a:solidFill>
+                <a:hlinkClick r:id="rId12"/>
+              </a:rPr>
+              <a:t>http://www.webhammer.com/javascript/exercises/index.html</a:t>
+            </a:r>
+            <a:endParaRPr lang="en-US" sz="1400" dirty="0">
+              <a:solidFill>
+                <a:schemeClr val="bg1">
+                  <a:lumMod val="95000"/>
+                </a:schemeClr>
+              </a:solidFill>
+            </a:endParaRPr>
+          </a:p>
+          <a:p>
+            <a:pPr algn="ctr"/>
+            <a:endParaRPr lang="en-US" sz="1400" dirty="0">
+              <a:solidFill>
+                <a:schemeClr val="bg1">
+                  <a:lumMod val="95000"/>
+                </a:schemeClr>
+              </a:solidFill>
+            </a:endParaRPr>
+          </a:p>
+          <a:p>
+            <a:pPr algn="ctr"/>
+            <a:r>
+              <a:rPr lang="en-US" sz="1400" dirty="0">
+                <a:solidFill>
+                  <a:schemeClr val="bg1">
+                    <a:lumMod val="95000"/>
+                  </a:schemeClr>
+                </a:solidFill>
+                <a:hlinkClick r:id="rId13"/>
+              </a:rPr>
+              <a:t>http://www.w3resource.com/javascript-exercises/</a:t>
+            </a:r>
+            <a:endParaRPr lang="en-US" sz="1400" dirty="0">
+              <a:solidFill>
+                <a:schemeClr val="bg1">
+                  <a:lumMod val="95000"/>
+                </a:schemeClr>
+              </a:solidFill>
+            </a:endParaRPr>
           </a:p>
         </p:txBody>
       </p:sp>
@@ -7352,7 +8102,7 @@
           <a:p>
             <a:pPr algn="ctr"/>
             <a:r>
-              <a:rPr lang="en-US" i="1" dirty="0">
+              <a:rPr lang="en-US" dirty="0">
                 <a:solidFill>
                   <a:schemeClr val="accent4">
                     <a:lumMod val="60000"/>
@@ -7360,7 +8110,7 @@
                   </a:schemeClr>
                 </a:solidFill>
               </a:rPr>
-              <a:t>Previously, on Pay Attention and You’ll Get a Job…</a:t>
+              <a:t>Goals</a:t>
             </a:r>
           </a:p>
         </p:txBody>
@@ -7379,6 +8129,71 @@
 </file>
 
 <file path=ppt/slides/slide4.xml><?xml version="1.0" encoding="utf-8"?>
+<p:sld xmlns:a="http://schemas.openxmlformats.org/drawingml/2006/main" xmlns:r="http://schemas.openxmlformats.org/officeDocument/2006/relationships" xmlns:p="http://schemas.openxmlformats.org/presentationml/2006/main">
+  <p:cSld>
+    <p:spTree>
+      <p:nvGrpSpPr>
+        <p:cNvPr id="1" name=""/>
+        <p:cNvGrpSpPr/>
+        <p:nvPr/>
+      </p:nvGrpSpPr>
+      <p:grpSpPr>
+        <a:xfrm>
+          <a:off x="0" y="0"/>
+          <a:ext cx="0" cy="0"/>
+          <a:chOff x="0" y="0"/>
+          <a:chExt cx="0" cy="0"/>
+        </a:xfrm>
+      </p:grpSpPr>
+      <p:sp>
+        <p:nvSpPr>
+          <p:cNvPr id="2" name="Title 1"/>
+          <p:cNvSpPr>
+            <a:spLocks noGrp="1"/>
+          </p:cNvSpPr>
+          <p:nvPr>
+            <p:ph type="title"/>
+          </p:nvPr>
+        </p:nvSpPr>
+        <p:spPr>
+          <a:xfrm>
+            <a:off x="838200" y="365125"/>
+            <a:ext cx="10515600" cy="6116595"/>
+          </a:xfrm>
+        </p:spPr>
+        <p:txBody>
+          <a:bodyPr/>
+          <a:lstStyle/>
+          <a:p>
+            <a:pPr algn="ctr"/>
+            <a:r>
+              <a:rPr lang="en-US" i="1" dirty="0">
+                <a:solidFill>
+                  <a:schemeClr val="accent4">
+                    <a:lumMod val="60000"/>
+                    <a:lumOff val="40000"/>
+                  </a:schemeClr>
+                </a:solidFill>
+              </a:rPr>
+              <a:t>Previously, on Pay Attention and You’ll Get a Job…</a:t>
+            </a:r>
+          </a:p>
+        </p:txBody>
+      </p:sp>
+    </p:spTree>
+    <p:extLst>
+      <p:ext uri="{BB962C8B-B14F-4D97-AF65-F5344CB8AC3E}">
+        <p14:creationId xmlns:p14="http://schemas.microsoft.com/office/powerpoint/2010/main" val="1669627315"/>
+      </p:ext>
+    </p:extLst>
+  </p:cSld>
+  <p:clrMapOvr>
+    <a:masterClrMapping/>
+  </p:clrMapOvr>
+</p:sld>
+</file>
+
+<file path=ppt/slides/slide5.xml><?xml version="1.0" encoding="utf-8"?>
 <p:sld xmlns:a="http://schemas.openxmlformats.org/drawingml/2006/main" xmlns:r="http://schemas.openxmlformats.org/officeDocument/2006/relationships" xmlns:p="http://schemas.openxmlformats.org/presentationml/2006/main">
   <p:cSld>
     <p:spTree>
@@ -8384,7 +9199,7 @@
 </p:sld>
 </file>
 
-<file path=ppt/slides/slide5.xml><?xml version="1.0" encoding="utf-8"?>
+<file path=ppt/slides/slide6.xml><?xml version="1.0" encoding="utf-8"?>
 <p:sld xmlns:a="http://schemas.openxmlformats.org/drawingml/2006/main" xmlns:r="http://schemas.openxmlformats.org/officeDocument/2006/relationships" xmlns:p="http://schemas.openxmlformats.org/presentationml/2006/main">
   <p:cSld>
     <p:spTree>
@@ -8924,7 +9739,7 @@
 </p:sld>
 </file>
 
-<file path=ppt/slides/slide6.xml><?xml version="1.0" encoding="utf-8"?>
+<file path=ppt/slides/slide7.xml><?xml version="1.0" encoding="utf-8"?>
 <p:sld xmlns:a="http://schemas.openxmlformats.org/drawingml/2006/main" xmlns:r="http://schemas.openxmlformats.org/officeDocument/2006/relationships" xmlns:p="http://schemas.openxmlformats.org/presentationml/2006/main">
   <p:cSld>
     <p:spTree>
@@ -9277,7 +10092,7 @@
 </p:sld>
 </file>
 
-<file path=ppt/slides/slide7.xml><?xml version="1.0" encoding="utf-8"?>
+<file path=ppt/slides/slide8.xml><?xml version="1.0" encoding="utf-8"?>
 <p:sld xmlns:a="http://schemas.openxmlformats.org/drawingml/2006/main" xmlns:r="http://schemas.openxmlformats.org/officeDocument/2006/relationships" xmlns:p="http://schemas.openxmlformats.org/presentationml/2006/main">
   <p:cSld>
     <p:spTree>
@@ -9983,71 +10798,6 @@
 </p:sld>
 </file>
 
-<file path=ppt/slides/slide8.xml><?xml version="1.0" encoding="utf-8"?>
-<p:sld xmlns:a="http://schemas.openxmlformats.org/drawingml/2006/main" xmlns:r="http://schemas.openxmlformats.org/officeDocument/2006/relationships" xmlns:p="http://schemas.openxmlformats.org/presentationml/2006/main">
-  <p:cSld>
-    <p:spTree>
-      <p:nvGrpSpPr>
-        <p:cNvPr id="1" name=""/>
-        <p:cNvGrpSpPr/>
-        <p:nvPr/>
-      </p:nvGrpSpPr>
-      <p:grpSpPr>
-        <a:xfrm>
-          <a:off x="0" y="0"/>
-          <a:ext cx="0" cy="0"/>
-          <a:chOff x="0" y="0"/>
-          <a:chExt cx="0" cy="0"/>
-        </a:xfrm>
-      </p:grpSpPr>
-      <p:sp>
-        <p:nvSpPr>
-          <p:cNvPr id="2" name="Title 1"/>
-          <p:cNvSpPr>
-            <a:spLocks noGrp="1"/>
-          </p:cNvSpPr>
-          <p:nvPr>
-            <p:ph type="title"/>
-          </p:nvPr>
-        </p:nvSpPr>
-        <p:spPr>
-          <a:xfrm>
-            <a:off x="838200" y="365125"/>
-            <a:ext cx="10515600" cy="6116595"/>
-          </a:xfrm>
-        </p:spPr>
-        <p:txBody>
-          <a:bodyPr/>
-          <a:lstStyle/>
-          <a:p>
-            <a:pPr algn="ctr"/>
-            <a:r>
-              <a:rPr lang="en-US" i="1" dirty="0">
-                <a:solidFill>
-                  <a:schemeClr val="accent4">
-                    <a:lumMod val="60000"/>
-                    <a:lumOff val="40000"/>
-                  </a:schemeClr>
-                </a:solidFill>
-              </a:rPr>
-              <a:t>On Today’s Episode of Pay Attention and You’ll Get a Job…</a:t>
-            </a:r>
-          </a:p>
-        </p:txBody>
-      </p:sp>
-    </p:spTree>
-    <p:extLst>
-      <p:ext uri="{BB962C8B-B14F-4D97-AF65-F5344CB8AC3E}">
-        <p14:creationId xmlns:p14="http://schemas.microsoft.com/office/powerpoint/2010/main" val="3029455603"/>
-      </p:ext>
-    </p:extLst>
-  </p:cSld>
-  <p:clrMapOvr>
-    <a:masterClrMapping/>
-  </p:clrMapOvr>
-</p:sld>
-</file>
-
 <file path=ppt/slides/slide9.xml><?xml version="1.0" encoding="utf-8"?>
 <p:sld xmlns:a="http://schemas.openxmlformats.org/drawingml/2006/main" xmlns:r="http://schemas.openxmlformats.org/officeDocument/2006/relationships" xmlns:p="http://schemas.openxmlformats.org/presentationml/2006/main">
   <p:cSld>
@@ -10077,19 +10827,17 @@
         </p:nvSpPr>
         <p:spPr>
           <a:xfrm>
-            <a:off x="908002" y="3476115"/>
-            <a:ext cx="10515600" cy="586333"/>
+            <a:off x="838200" y="365125"/>
+            <a:ext cx="10515600" cy="6116595"/>
           </a:xfrm>
         </p:spPr>
         <p:txBody>
-          <a:bodyPr>
-            <a:normAutofit fontScale="90000"/>
-          </a:bodyPr>
+          <a:bodyPr/>
           <a:lstStyle/>
           <a:p>
             <a:pPr algn="ctr"/>
             <a:r>
-              <a:rPr lang="en-US" dirty="0">
+              <a:rPr lang="en-US" i="1" dirty="0">
                 <a:solidFill>
                   <a:schemeClr val="accent4">
                     <a:lumMod val="60000"/>
@@ -10097,461 +10845,21 @@
                   </a:schemeClr>
                 </a:solidFill>
               </a:rPr>
-              <a:t>Ten Days of Bullshit Runs the Internet</a:t>
-            </a:r>
-            <a:br>
-              <a:rPr lang="en-US" dirty="0">
-                <a:solidFill>
-                  <a:schemeClr val="accent4">
-                    <a:lumMod val="60000"/>
-                    <a:lumOff val="40000"/>
-                  </a:schemeClr>
-                </a:solidFill>
-              </a:rPr>
-            </a:br>
-            <a:br>
-              <a:rPr lang="en-US" dirty="0">
-                <a:solidFill>
-                  <a:schemeClr val="accent4">
-                    <a:lumMod val="60000"/>
-                    <a:lumOff val="40000"/>
-                  </a:schemeClr>
-                </a:solidFill>
-              </a:rPr>
-            </a:br>
-            <a:endParaRPr lang="en-US" dirty="0">
-              <a:solidFill>
-                <a:schemeClr val="bg1"/>
-              </a:solidFill>
-            </a:endParaRPr>
-          </a:p>
-        </p:txBody>
-      </p:sp>
-      <p:sp>
-        <p:nvSpPr>
-          <p:cNvPr id="3" name="TextBox 2"/>
-          <p:cNvSpPr txBox="1"/>
-          <p:nvPr/>
-        </p:nvSpPr>
-        <p:spPr>
-          <a:xfrm>
-            <a:off x="818659" y="3991572"/>
-            <a:ext cx="10204983" cy="461665"/>
-          </a:xfrm>
-          <a:prstGeom prst="rect">
-            <a:avLst/>
-          </a:prstGeom>
-          <a:noFill/>
-        </p:spPr>
-        <p:txBody>
-          <a:bodyPr wrap="square" rtlCol="0">
-            <a:spAutoFit/>
-          </a:bodyPr>
-          <a:lstStyle/>
-          <a:p>
-            <a:pPr algn="ctr"/>
-            <a:r>
-              <a:rPr lang="en-US" sz="2400" dirty="0">
-                <a:solidFill>
-                  <a:schemeClr val="accent4">
-                    <a:lumMod val="60000"/>
-                    <a:lumOff val="40000"/>
-                  </a:schemeClr>
-                </a:solidFill>
-              </a:rPr>
-              <a:t>…and your phones, tablets, </a:t>
-            </a:r>
-            <a:r>
-              <a:rPr lang="en-US" sz="2400" dirty="0" err="1">
-                <a:solidFill>
-                  <a:schemeClr val="accent4">
-                    <a:lumMod val="60000"/>
-                    <a:lumOff val="40000"/>
-                  </a:schemeClr>
-                </a:solidFill>
-              </a:rPr>
-              <a:t>IoT</a:t>
-            </a:r>
-            <a:r>
-              <a:rPr lang="en-US" sz="2400" dirty="0">
-                <a:solidFill>
-                  <a:schemeClr val="accent4">
-                    <a:lumMod val="60000"/>
-                    <a:lumOff val="40000"/>
-                  </a:schemeClr>
-                </a:solidFill>
-              </a:rPr>
-              <a:t> devices. </a:t>
-            </a:r>
-          </a:p>
-        </p:txBody>
-      </p:sp>
-      <p:sp>
-        <p:nvSpPr>
-          <p:cNvPr id="4" name="TextBox 3"/>
-          <p:cNvSpPr txBox="1"/>
-          <p:nvPr/>
-        </p:nvSpPr>
-        <p:spPr>
-          <a:xfrm>
-            <a:off x="2964222" y="5605063"/>
-            <a:ext cx="5913863" cy="369332"/>
-          </a:xfrm>
-          <a:prstGeom prst="rect">
-            <a:avLst/>
-          </a:prstGeom>
-          <a:noFill/>
-        </p:spPr>
-        <p:txBody>
-          <a:bodyPr wrap="none" rtlCol="0">
-            <a:spAutoFit/>
-          </a:bodyPr>
-          <a:lstStyle/>
-          <a:p>
-            <a:pPr algn="ctr"/>
-            <a:r>
-              <a:rPr lang="en-US" dirty="0">
-                <a:solidFill>
-                  <a:schemeClr val="bg1"/>
-                </a:solidFill>
-              </a:rPr>
-              <a:t>“</a:t>
-            </a:r>
-            <a:r>
-              <a:rPr lang="en-US" b="1" strike="sngStrike" dirty="0">
-                <a:solidFill>
-                  <a:schemeClr val="bg1"/>
-                </a:solidFill>
-              </a:rPr>
-              <a:t>Software</a:t>
-            </a:r>
-            <a:r>
-              <a:rPr lang="en-US" dirty="0">
-                <a:solidFill>
-                  <a:schemeClr val="bg1"/>
-                </a:solidFill>
-              </a:rPr>
-              <a:t> JavaScript is eating the world…”  Marc Andreessen</a:t>
-            </a:r>
-          </a:p>
-        </p:txBody>
-      </p:sp>
-      <p:sp>
-        <p:nvSpPr>
-          <p:cNvPr id="5" name="Rectangle 4"/>
-          <p:cNvSpPr/>
-          <p:nvPr/>
-        </p:nvSpPr>
-        <p:spPr>
-          <a:xfrm>
-            <a:off x="3957697" y="4909257"/>
-            <a:ext cx="3926909" cy="369332"/>
-          </a:xfrm>
-          <a:prstGeom prst="rect">
-            <a:avLst/>
-          </a:prstGeom>
-        </p:spPr>
-        <p:txBody>
-          <a:bodyPr wrap="none">
-            <a:spAutoFit/>
-          </a:bodyPr>
-          <a:lstStyle/>
-          <a:p>
-            <a:r>
-              <a:rPr lang="en-US" dirty="0">
-                <a:solidFill>
-                  <a:schemeClr val="accent4">
-                    <a:lumMod val="60000"/>
-                    <a:lumOff val="40000"/>
-                  </a:schemeClr>
-                </a:solidFill>
-              </a:rPr>
-              <a:t>Everything. Yes, even freaking </a:t>
-            </a:r>
-            <a:r>
-              <a:rPr lang="en-US" b="1" dirty="0">
-                <a:solidFill>
-                  <a:schemeClr val="accent4">
-                    <a:lumMod val="60000"/>
-                    <a:lumOff val="40000"/>
-                  </a:schemeClr>
-                </a:solidFill>
-              </a:rPr>
-              <a:t>satellites</a:t>
-            </a:r>
-            <a:r>
-              <a:rPr lang="en-US" dirty="0">
-                <a:solidFill>
-                  <a:schemeClr val="accent4">
-                    <a:lumMod val="60000"/>
-                    <a:lumOff val="40000"/>
-                  </a:schemeClr>
-                </a:solidFill>
-              </a:rPr>
-              <a:t>.</a:t>
-            </a:r>
-            <a:endParaRPr lang="en-US" dirty="0"/>
+              <a:t>On Today’s Episode of Pay Attention and You’ll Get a Job…</a:t>
+            </a:r>
           </a:p>
         </p:txBody>
       </p:sp>
     </p:spTree>
     <p:extLst>
       <p:ext uri="{BB962C8B-B14F-4D97-AF65-F5344CB8AC3E}">
-        <p14:creationId xmlns:p14="http://schemas.microsoft.com/office/powerpoint/2010/main" val="286831002"/>
+        <p14:creationId xmlns:p14="http://schemas.microsoft.com/office/powerpoint/2010/main" val="3029455603"/>
       </p:ext>
     </p:extLst>
   </p:cSld>
   <p:clrMapOvr>
     <a:masterClrMapping/>
   </p:clrMapOvr>
-  <p:timing>
-    <p:tnLst>
-      <p:par>
-        <p:cTn id="1" dur="indefinite" restart="never" nodeType="tmRoot">
-          <p:childTnLst>
-            <p:seq concurrent="1" nextAc="seek">
-              <p:cTn id="2" dur="indefinite" nodeType="mainSeq">
-                <p:childTnLst>
-                  <p:par>
-                    <p:cTn id="3" fill="hold">
-                      <p:stCondLst>
-                        <p:cond delay="indefinite"/>
-                      </p:stCondLst>
-                      <p:childTnLst>
-                        <p:par>
-                          <p:cTn id="4" fill="hold">
-                            <p:stCondLst>
-                              <p:cond delay="0"/>
-                            </p:stCondLst>
-                            <p:childTnLst>
-                              <p:par>
-                                <p:cTn id="5" presetID="10" presetClass="entr" presetSubtype="0" fill="hold" grpId="0" nodeType="clickEffect">
-                                  <p:stCondLst>
-                                    <p:cond delay="0"/>
-                                  </p:stCondLst>
-                                  <p:childTnLst>
-                                    <p:set>
-                                      <p:cBhvr>
-                                        <p:cTn id="6" dur="1" fill="hold">
-                                          <p:stCondLst>
-                                            <p:cond delay="0"/>
-                                          </p:stCondLst>
-                                        </p:cTn>
-                                        <p:tgtEl>
-                                          <p:spTgt spid="2"/>
-                                        </p:tgtEl>
-                                        <p:attrNameLst>
-                                          <p:attrName>style.visibility</p:attrName>
-                                        </p:attrNameLst>
-                                      </p:cBhvr>
-                                      <p:to>
-                                        <p:strVal val="visible"/>
-                                      </p:to>
-                                    </p:set>
-                                    <p:animEffect transition="in" filter="fade">
-                                      <p:cBhvr>
-                                        <p:cTn id="7" dur="500"/>
-                                        <p:tgtEl>
-                                          <p:spTgt spid="2"/>
-                                        </p:tgtEl>
-                                      </p:cBhvr>
-                                    </p:animEffect>
-                                  </p:childTnLst>
-                                </p:cTn>
-                              </p:par>
-                            </p:childTnLst>
-                          </p:cTn>
-                        </p:par>
-                      </p:childTnLst>
-                    </p:cTn>
-                  </p:par>
-                  <p:par>
-                    <p:cTn id="8" fill="hold">
-                      <p:stCondLst>
-                        <p:cond delay="indefinite"/>
-                      </p:stCondLst>
-                      <p:childTnLst>
-                        <p:par>
-                          <p:cTn id="9" fill="hold">
-                            <p:stCondLst>
-                              <p:cond delay="0"/>
-                            </p:stCondLst>
-                            <p:childTnLst>
-                              <p:par>
-                                <p:cTn id="10" presetID="10" presetClass="entr" presetSubtype="0" fill="hold" grpId="0" nodeType="clickEffect">
-                                  <p:stCondLst>
-                                    <p:cond delay="0"/>
-                                  </p:stCondLst>
-                                  <p:childTnLst>
-                                    <p:set>
-                                      <p:cBhvr>
-                                        <p:cTn id="11" dur="1" fill="hold">
-                                          <p:stCondLst>
-                                            <p:cond delay="0"/>
-                                          </p:stCondLst>
-                                        </p:cTn>
-                                        <p:tgtEl>
-                                          <p:spTgt spid="3"/>
-                                        </p:tgtEl>
-                                        <p:attrNameLst>
-                                          <p:attrName>style.visibility</p:attrName>
-                                        </p:attrNameLst>
-                                      </p:cBhvr>
-                                      <p:to>
-                                        <p:strVal val="visible"/>
-                                      </p:to>
-                                    </p:set>
-                                    <p:animEffect transition="in" filter="fade">
-                                      <p:cBhvr>
-                                        <p:cTn id="12" dur="500"/>
-                                        <p:tgtEl>
-                                          <p:spTgt spid="3"/>
-                                        </p:tgtEl>
-                                      </p:cBhvr>
-                                    </p:animEffect>
-                                  </p:childTnLst>
-                                </p:cTn>
-                              </p:par>
-                            </p:childTnLst>
-                          </p:cTn>
-                        </p:par>
-                      </p:childTnLst>
-                    </p:cTn>
-                  </p:par>
-                  <p:par>
-                    <p:cTn id="13" fill="hold">
-                      <p:stCondLst>
-                        <p:cond delay="indefinite"/>
-                      </p:stCondLst>
-                      <p:childTnLst>
-                        <p:par>
-                          <p:cTn id="14" fill="hold">
-                            <p:stCondLst>
-                              <p:cond delay="0"/>
-                            </p:stCondLst>
-                            <p:childTnLst>
-                              <p:par>
-                                <p:cTn id="15" presetID="10" presetClass="entr" presetSubtype="0" fill="hold" grpId="0" nodeType="clickEffect">
-                                  <p:stCondLst>
-                                    <p:cond delay="0"/>
-                                  </p:stCondLst>
-                                  <p:childTnLst>
-                                    <p:set>
-                                      <p:cBhvr>
-                                        <p:cTn id="16" dur="1" fill="hold">
-                                          <p:stCondLst>
-                                            <p:cond delay="0"/>
-                                          </p:stCondLst>
-                                        </p:cTn>
-                                        <p:tgtEl>
-                                          <p:spTgt spid="5"/>
-                                        </p:tgtEl>
-                                        <p:attrNameLst>
-                                          <p:attrName>style.visibility</p:attrName>
-                                        </p:attrNameLst>
-                                      </p:cBhvr>
-                                      <p:to>
-                                        <p:strVal val="visible"/>
-                                      </p:to>
-                                    </p:set>
-                                    <p:animEffect transition="in" filter="fade">
-                                      <p:cBhvr>
-                                        <p:cTn id="17" dur="500"/>
-                                        <p:tgtEl>
-                                          <p:spTgt spid="5"/>
-                                        </p:tgtEl>
-                                      </p:cBhvr>
-                                    </p:animEffect>
-                                  </p:childTnLst>
-                                </p:cTn>
-                              </p:par>
-                            </p:childTnLst>
-                          </p:cTn>
-                        </p:par>
-                      </p:childTnLst>
-                    </p:cTn>
-                  </p:par>
-                  <p:par>
-                    <p:cTn id="18" fill="hold">
-                      <p:stCondLst>
-                        <p:cond delay="indefinite"/>
-                      </p:stCondLst>
-                      <p:childTnLst>
-                        <p:par>
-                          <p:cTn id="19" fill="hold">
-                            <p:stCondLst>
-                              <p:cond delay="0"/>
-                            </p:stCondLst>
-                            <p:childTnLst>
-                              <p:par>
-                                <p:cTn id="20" presetID="10" presetClass="entr" presetSubtype="0" fill="hold" grpId="0" nodeType="clickEffect">
-                                  <p:stCondLst>
-                                    <p:cond delay="0"/>
-                                  </p:stCondLst>
-                                  <p:childTnLst>
-                                    <p:set>
-                                      <p:cBhvr>
-                                        <p:cTn id="21" dur="1" fill="hold">
-                                          <p:stCondLst>
-                                            <p:cond delay="0"/>
-                                          </p:stCondLst>
-                                        </p:cTn>
-                                        <p:tgtEl>
-                                          <p:spTgt spid="4"/>
-                                        </p:tgtEl>
-                                        <p:attrNameLst>
-                                          <p:attrName>style.visibility</p:attrName>
-                                        </p:attrNameLst>
-                                      </p:cBhvr>
-                                      <p:to>
-                                        <p:strVal val="visible"/>
-                                      </p:to>
-                                    </p:set>
-                                    <p:animEffect transition="in" filter="fade">
-                                      <p:cBhvr>
-                                        <p:cTn id="22" dur="500"/>
-                                        <p:tgtEl>
-                                          <p:spTgt spid="4"/>
-                                        </p:tgtEl>
-                                      </p:cBhvr>
-                                    </p:animEffect>
-                                  </p:childTnLst>
-                                </p:cTn>
-                              </p:par>
-                            </p:childTnLst>
-                          </p:cTn>
-                        </p:par>
-                      </p:childTnLst>
-                    </p:cTn>
-                  </p:par>
-                </p:childTnLst>
-              </p:cTn>
-              <p:prevCondLst>
-                <p:cond evt="onPrev" delay="0">
-                  <p:tgtEl>
-                    <p:sldTgt/>
-                  </p:tgtEl>
-                </p:cond>
-              </p:prevCondLst>
-              <p:nextCondLst>
-                <p:cond evt="onNext" delay="0">
-                  <p:tgtEl>
-                    <p:sldTgt/>
-                  </p:tgtEl>
-                </p:cond>
-              </p:nextCondLst>
-            </p:seq>
-          </p:childTnLst>
-        </p:cTn>
-      </p:par>
-    </p:tnLst>
-    <p:bldLst>
-      <p:bldP spid="2" grpId="0"/>
-      <p:bldP spid="3" grpId="0"/>
-      <p:bldP spid="4" grpId="0"/>
-      <p:bldP spid="5" grpId="0"/>
-    </p:bldLst>
-  </p:timing>
 </p:sld>
 </file>
 
